--- a/榮耀歸於真神_v3.pptx
+++ b/榮耀歸於真神_v3.pptx
@@ -5,14 +5,21 @@
     <p:sldMasterId id="2147483660" r:id="rId1"/>
   </p:sldMasterIdLst>
   <p:sldIdLst>
-    <p:sldId id="256" r:id="rId2"/>
-    <p:sldId id="257" r:id="rId3"/>
-    <p:sldId id="260" r:id="rId4"/>
-    <p:sldId id="261" r:id="rId5"/>
-    <p:sldId id="258" r:id="rId6"/>
-    <p:sldId id="259" r:id="rId7"/>
+    <p:sldId id="262" r:id="rId2"/>
+    <p:sldId id="263" r:id="rId3"/>
+    <p:sldId id="264" r:id="rId4"/>
+    <p:sldId id="265" r:id="rId5"/>
+    <p:sldId id="266" r:id="rId6"/>
+    <p:sldId id="267" r:id="rId7"/>
+    <p:sldId id="268" r:id="rId8"/>
+    <p:sldId id="271" r:id="rId9"/>
+    <p:sldId id="269" r:id="rId10"/>
+    <p:sldId id="270" r:id="rId11"/>
+    <p:sldId id="272" r:id="rId12"/>
+    <p:sldId id="273" r:id="rId13"/>
+    <p:sldId id="274" r:id="rId14"/>
   </p:sldIdLst>
-  <p:sldSz cx="9144000" cy="6858000" type="screen4x3"/>
+  <p:sldSz cx="12192000" cy="6858000"/>
   <p:notesSz cx="6858000" cy="9144000"/>
   <p:defaultTextStyle>
     <a:defPPr>
@@ -109,6 +116,22 @@
       </a:defRPr>
     </a:lvl9pPr>
   </p:defaultTextStyle>
+  <p:extLst>
+    <p:ext uri="{EFAFB233-063F-42B5-8137-9DF3F51BA10A}">
+      <p15:sldGuideLst xmlns:p15="http://schemas.microsoft.com/office/powerpoint/2012/main">
+        <p15:guide id="1" orient="horz" pos="2160" userDrawn="1">
+          <p15:clr>
+            <a:srgbClr val="A4A3A4"/>
+          </p15:clr>
+        </p15:guide>
+        <p15:guide id="2" pos="3840" userDrawn="1">
+          <p15:clr>
+            <a:srgbClr val="A4A3A4"/>
+          </p15:clr>
+        </p15:guide>
+      </p15:sldGuideLst>
+    </p:ext>
+  </p:extLst>
 </p:presentation>
 </file>
 
@@ -141,8 +164,8 @@
         </p:nvSpPr>
         <p:spPr>
           <a:xfrm>
-            <a:off x="685800" y="2130425"/>
-            <a:ext cx="7772400" cy="1470025"/>
+            <a:off x="914400" y="2130426"/>
+            <a:ext cx="10363200" cy="1470025"/>
           </a:xfrm>
         </p:spPr>
         <p:txBody>
@@ -169,8 +192,8 @@
         </p:nvSpPr>
         <p:spPr>
           <a:xfrm>
-            <a:off x="1371600" y="3886200"/>
-            <a:ext cx="6400800" cy="1752600"/>
+            <a:off x="1828800" y="3886200"/>
+            <a:ext cx="8534400" cy="1752600"/>
           </a:xfrm>
         </p:spPr>
         <p:txBody>
@@ -294,7 +317,7 @@
             <a:fld id="{BC207619-CF55-4513-A48C-4A735250C423}" type="datetimeFigureOut">
               <a:rPr lang="zh-TW" altLang="en-US" smtClean="0"/>
               <a:pPr/>
-              <a:t>2018/3/31</a:t>
+              <a:t>2022/12/22</a:t>
             </a:fld>
             <a:endParaRPr lang="zh-TW" altLang="en-US"/>
           </a:p>
@@ -461,7 +484,7 @@
             <a:fld id="{BC207619-CF55-4513-A48C-4A735250C423}" type="datetimeFigureOut">
               <a:rPr lang="zh-TW" altLang="en-US" smtClean="0"/>
               <a:pPr/>
-              <a:t>2018/3/31</a:t>
+              <a:t>2022/12/22</a:t>
             </a:fld>
             <a:endParaRPr lang="zh-TW" altLang="en-US"/>
           </a:p>
@@ -547,8 +570,8 @@
         </p:nvSpPr>
         <p:spPr>
           <a:xfrm>
-            <a:off x="6629400" y="274638"/>
-            <a:ext cx="2057400" cy="5851525"/>
+            <a:off x="8839200" y="274639"/>
+            <a:ext cx="2743200" cy="5851525"/>
           </a:xfrm>
         </p:spPr>
         <p:txBody>
@@ -575,8 +598,8 @@
         </p:nvSpPr>
         <p:spPr>
           <a:xfrm>
-            <a:off x="457200" y="274638"/>
-            <a:ext cx="6019800" cy="5851525"/>
+            <a:off x="609600" y="274639"/>
+            <a:ext cx="8026400" cy="5851525"/>
           </a:xfrm>
         </p:spPr>
         <p:txBody>
@@ -638,7 +661,7 @@
             <a:fld id="{BC207619-CF55-4513-A48C-4A735250C423}" type="datetimeFigureOut">
               <a:rPr lang="zh-TW" altLang="en-US" smtClean="0"/>
               <a:pPr/>
-              <a:t>2018/3/31</a:t>
+              <a:t>2022/12/22</a:t>
             </a:fld>
             <a:endParaRPr lang="zh-TW" altLang="en-US"/>
           </a:p>
@@ -805,7 +828,7 @@
             <a:fld id="{BC207619-CF55-4513-A48C-4A735250C423}" type="datetimeFigureOut">
               <a:rPr lang="zh-TW" altLang="en-US" smtClean="0"/>
               <a:pPr/>
-              <a:t>2018/3/31</a:t>
+              <a:t>2022/12/22</a:t>
             </a:fld>
             <a:endParaRPr lang="zh-TW" altLang="en-US"/>
           </a:p>
@@ -891,8 +914,8 @@
         </p:nvSpPr>
         <p:spPr>
           <a:xfrm>
-            <a:off x="722313" y="4406900"/>
-            <a:ext cx="7772400" cy="1362075"/>
+            <a:off x="963084" y="4406901"/>
+            <a:ext cx="10363200" cy="1362075"/>
           </a:xfrm>
         </p:spPr>
         <p:txBody>
@@ -923,8 +946,8 @@
         </p:nvSpPr>
         <p:spPr>
           <a:xfrm>
-            <a:off x="722313" y="2906713"/>
-            <a:ext cx="7772400" cy="1500187"/>
+            <a:off x="963084" y="2906713"/>
+            <a:ext cx="10363200" cy="1500187"/>
           </a:xfrm>
         </p:spPr>
         <p:txBody>
@@ -1048,7 +1071,7 @@
             <a:fld id="{BC207619-CF55-4513-A48C-4A735250C423}" type="datetimeFigureOut">
               <a:rPr lang="zh-TW" altLang="en-US" smtClean="0"/>
               <a:pPr/>
-              <a:t>2018/3/31</a:t>
+              <a:t>2022/12/22</a:t>
             </a:fld>
             <a:endParaRPr lang="zh-TW" altLang="en-US"/>
           </a:p>
@@ -1157,8 +1180,8 @@
         </p:nvSpPr>
         <p:spPr>
           <a:xfrm>
-            <a:off x="457200" y="1600200"/>
-            <a:ext cx="4038600" cy="4525963"/>
+            <a:off x="609600" y="1600201"/>
+            <a:ext cx="5384800" cy="4525963"/>
           </a:xfrm>
         </p:spPr>
         <p:txBody>
@@ -1242,8 +1265,8 @@
         </p:nvSpPr>
         <p:spPr>
           <a:xfrm>
-            <a:off x="4648200" y="1600200"/>
-            <a:ext cx="4038600" cy="4525963"/>
+            <a:off x="6197600" y="1600201"/>
+            <a:ext cx="5384800" cy="4525963"/>
           </a:xfrm>
         </p:spPr>
         <p:txBody>
@@ -1333,7 +1356,7 @@
             <a:fld id="{BC207619-CF55-4513-A48C-4A735250C423}" type="datetimeFigureOut">
               <a:rPr lang="zh-TW" altLang="en-US" smtClean="0"/>
               <a:pPr/>
-              <a:t>2018/3/31</a:t>
+              <a:t>2022/12/22</a:t>
             </a:fld>
             <a:endParaRPr lang="zh-TW" altLang="en-US"/>
           </a:p>
@@ -1446,8 +1469,8 @@
         </p:nvSpPr>
         <p:spPr>
           <a:xfrm>
-            <a:off x="457200" y="1535113"/>
-            <a:ext cx="4040188" cy="639762"/>
+            <a:off x="609600" y="1535113"/>
+            <a:ext cx="5386917" cy="639762"/>
           </a:xfrm>
         </p:spPr>
         <p:txBody>
@@ -1511,8 +1534,8 @@
         </p:nvSpPr>
         <p:spPr>
           <a:xfrm>
-            <a:off x="457200" y="2174875"/>
-            <a:ext cx="4040188" cy="3951288"/>
+            <a:off x="609600" y="2174875"/>
+            <a:ext cx="5386917" cy="3951288"/>
           </a:xfrm>
         </p:spPr>
         <p:txBody>
@@ -1596,8 +1619,8 @@
         </p:nvSpPr>
         <p:spPr>
           <a:xfrm>
-            <a:off x="4645025" y="1535113"/>
-            <a:ext cx="4041775" cy="639762"/>
+            <a:off x="6193368" y="1535113"/>
+            <a:ext cx="5389033" cy="639762"/>
           </a:xfrm>
         </p:spPr>
         <p:txBody>
@@ -1661,8 +1684,8 @@
         </p:nvSpPr>
         <p:spPr>
           <a:xfrm>
-            <a:off x="4645025" y="2174875"/>
-            <a:ext cx="4041775" cy="3951288"/>
+            <a:off x="6193368" y="2174875"/>
+            <a:ext cx="5389033" cy="3951288"/>
           </a:xfrm>
         </p:spPr>
         <p:txBody>
@@ -1752,7 +1775,7 @@
             <a:fld id="{BC207619-CF55-4513-A48C-4A735250C423}" type="datetimeFigureOut">
               <a:rPr lang="zh-TW" altLang="en-US" smtClean="0"/>
               <a:pPr/>
-              <a:t>2018/3/31</a:t>
+              <a:t>2022/12/22</a:t>
             </a:fld>
             <a:endParaRPr lang="zh-TW" altLang="en-US"/>
           </a:p>
@@ -1867,7 +1890,7 @@
             <a:fld id="{BC207619-CF55-4513-A48C-4A735250C423}" type="datetimeFigureOut">
               <a:rPr lang="zh-TW" altLang="en-US" smtClean="0"/>
               <a:pPr/>
-              <a:t>2018/3/31</a:t>
+              <a:t>2022/12/22</a:t>
             </a:fld>
             <a:endParaRPr lang="zh-TW" altLang="en-US"/>
           </a:p>
@@ -1959,7 +1982,7 @@
             <a:fld id="{BC207619-CF55-4513-A48C-4A735250C423}" type="datetimeFigureOut">
               <a:rPr lang="zh-TW" altLang="en-US" smtClean="0"/>
               <a:pPr/>
-              <a:t>2018/3/31</a:t>
+              <a:t>2022/12/22</a:t>
             </a:fld>
             <a:endParaRPr lang="zh-TW" altLang="en-US"/>
           </a:p>
@@ -2045,8 +2068,8 @@
         </p:nvSpPr>
         <p:spPr>
           <a:xfrm>
-            <a:off x="457200" y="273050"/>
-            <a:ext cx="3008313" cy="1162050"/>
+            <a:off x="609601" y="273050"/>
+            <a:ext cx="4011084" cy="1162050"/>
           </a:xfrm>
         </p:spPr>
         <p:txBody>
@@ -2077,8 +2100,8 @@
         </p:nvSpPr>
         <p:spPr>
           <a:xfrm>
-            <a:off x="3575050" y="273050"/>
-            <a:ext cx="5111750" cy="5853113"/>
+            <a:off x="4766733" y="273051"/>
+            <a:ext cx="6815667" cy="5853113"/>
           </a:xfrm>
         </p:spPr>
         <p:txBody>
@@ -2162,8 +2185,8 @@
         </p:nvSpPr>
         <p:spPr>
           <a:xfrm>
-            <a:off x="457200" y="1435100"/>
-            <a:ext cx="3008313" cy="4691063"/>
+            <a:off x="609601" y="1435101"/>
+            <a:ext cx="4011084" cy="4691063"/>
           </a:xfrm>
         </p:spPr>
         <p:txBody>
@@ -2233,7 +2256,7 @@
             <a:fld id="{BC207619-CF55-4513-A48C-4A735250C423}" type="datetimeFigureOut">
               <a:rPr lang="zh-TW" altLang="en-US" smtClean="0"/>
               <a:pPr/>
-              <a:t>2018/3/31</a:t>
+              <a:t>2022/12/22</a:t>
             </a:fld>
             <a:endParaRPr lang="zh-TW" altLang="en-US"/>
           </a:p>
@@ -2319,8 +2342,8 @@
         </p:nvSpPr>
         <p:spPr>
           <a:xfrm>
-            <a:off x="1792288" y="4800600"/>
-            <a:ext cx="5486400" cy="566738"/>
+            <a:off x="2389717" y="4800600"/>
+            <a:ext cx="7315200" cy="566738"/>
           </a:xfrm>
         </p:spPr>
         <p:txBody>
@@ -2351,8 +2374,8 @@
         </p:nvSpPr>
         <p:spPr>
           <a:xfrm>
-            <a:off x="1792288" y="612775"/>
-            <a:ext cx="5486400" cy="4114800"/>
+            <a:off x="2389717" y="612775"/>
+            <a:ext cx="7315200" cy="4114800"/>
           </a:xfrm>
         </p:spPr>
         <p:txBody>
@@ -2416,8 +2439,8 @@
         </p:nvSpPr>
         <p:spPr>
           <a:xfrm>
-            <a:off x="1792288" y="5367338"/>
-            <a:ext cx="5486400" cy="804862"/>
+            <a:off x="2389717" y="5367338"/>
+            <a:ext cx="7315200" cy="804862"/>
           </a:xfrm>
         </p:spPr>
         <p:txBody>
@@ -2487,7 +2510,7 @@
             <a:fld id="{BC207619-CF55-4513-A48C-4A735250C423}" type="datetimeFigureOut">
               <a:rPr lang="zh-TW" altLang="en-US" smtClean="0"/>
               <a:pPr/>
-              <a:t>2018/3/31</a:t>
+              <a:t>2022/12/22</a:t>
             </a:fld>
             <a:endParaRPr lang="zh-TW" altLang="en-US"/>
           </a:p>
@@ -2583,8 +2606,8 @@
         </p:nvSpPr>
         <p:spPr>
           <a:xfrm>
-            <a:off x="457200" y="274638"/>
-            <a:ext cx="8229600" cy="1143000"/>
+            <a:off x="609600" y="274638"/>
+            <a:ext cx="10972800" cy="1143000"/>
           </a:xfrm>
           <a:prstGeom prst="rect">
             <a:avLst/>
@@ -2616,8 +2639,8 @@
         </p:nvSpPr>
         <p:spPr>
           <a:xfrm>
-            <a:off x="457200" y="1600200"/>
-            <a:ext cx="8229600" cy="4525963"/>
+            <a:off x="609600" y="1600201"/>
+            <a:ext cx="10972800" cy="4525963"/>
           </a:xfrm>
           <a:prstGeom prst="rect">
             <a:avLst/>
@@ -2678,8 +2701,8 @@
         </p:nvSpPr>
         <p:spPr>
           <a:xfrm>
-            <a:off x="457200" y="6356350"/>
-            <a:ext cx="2133600" cy="365125"/>
+            <a:off x="609600" y="6356351"/>
+            <a:ext cx="2844800" cy="365125"/>
           </a:xfrm>
           <a:prstGeom prst="rect">
             <a:avLst/>
@@ -2702,7 +2725,7 @@
             <a:fld id="{BC207619-CF55-4513-A48C-4A735250C423}" type="datetimeFigureOut">
               <a:rPr lang="zh-TW" altLang="en-US" smtClean="0"/>
               <a:pPr/>
-              <a:t>2018/3/31</a:t>
+              <a:t>2022/12/22</a:t>
             </a:fld>
             <a:endParaRPr lang="zh-TW" altLang="en-US"/>
           </a:p>
@@ -2720,8 +2743,8 @@
         </p:nvSpPr>
         <p:spPr>
           <a:xfrm>
-            <a:off x="3124200" y="6356350"/>
-            <a:ext cx="2895600" cy="365125"/>
+            <a:off x="4165600" y="6356351"/>
+            <a:ext cx="3860800" cy="365125"/>
           </a:xfrm>
           <a:prstGeom prst="rect">
             <a:avLst/>
@@ -2757,8 +2780,8 @@
         </p:nvSpPr>
         <p:spPr>
           <a:xfrm>
-            <a:off x="6553200" y="6356350"/>
-            <a:ext cx="2133600" cy="365125"/>
+            <a:off x="8737600" y="6356351"/>
+            <a:ext cx="2844800" cy="365125"/>
           </a:xfrm>
           <a:prstGeom prst="rect">
             <a:avLst/>
@@ -3083,22 +3106,135 @@
             <p:ph type="title"/>
           </p:nvPr>
         </p:nvSpPr>
-        <p:spPr/>
-        <p:txBody>
-          <a:bodyPr/>
-          <a:lstStyle/>
-          <a:p>
-            <a:r>
-              <a:rPr lang="zh-CN" altLang="en-US" b="1" dirty="0" smtClean="0">
-                <a:solidFill>
-                  <a:srgbClr val="000066"/>
-                </a:solidFill>
+        <p:spPr>
+          <a:xfrm>
+            <a:off x="0" y="2660915"/>
+            <a:ext cx="12192000" cy="1143000"/>
+          </a:xfrm>
+        </p:spPr>
+        <p:txBody>
+          <a:bodyPr>
+            <a:noAutofit/>
+          </a:bodyPr>
+          <a:lstStyle/>
+          <a:p>
+            <a:r>
+              <a:rPr lang="zh-CN" altLang="en-US" sz="7200" b="1" i="1" dirty="0" smtClean="0">
+                <a:solidFill>
+                  <a:srgbClr val="000066"/>
+                </a:solidFill>
+                <a:effectLst>
+                  <a:outerShdw blurRad="38100" dist="38100" dir="2700000" algn="tl">
+                    <a:srgbClr val="000000">
+                      <a:alpha val="43137"/>
+                    </a:srgbClr>
+                  </a:outerShdw>
+                </a:effectLst>
                 <a:latin typeface="微軟正黑體" pitchFamily="34" charset="-120"/>
                 <a:ea typeface="微軟正黑體" pitchFamily="34" charset="-120"/>
               </a:rPr>
-              <a:t>榮耀歸於真神</a:t>
-            </a:r>
-            <a:endParaRPr lang="zh-TW" altLang="en-US" b="1" dirty="0">
+              <a:t>榮</a:t>
+            </a:r>
+            <a:r>
+              <a:rPr lang="zh-CN" altLang="en-US" sz="7200" b="1" i="1" dirty="0">
+                <a:solidFill>
+                  <a:srgbClr val="000066"/>
+                </a:solidFill>
+                <a:effectLst>
+                  <a:outerShdw blurRad="38100" dist="38100" dir="2700000" algn="tl">
+                    <a:srgbClr val="000000">
+                      <a:alpha val="43137"/>
+                    </a:srgbClr>
+                  </a:outerShdw>
+                </a:effectLst>
+                <a:latin typeface="微軟正黑體" pitchFamily="34" charset="-120"/>
+                <a:ea typeface="微軟正黑體" pitchFamily="34" charset="-120"/>
+              </a:rPr>
+              <a:t>耀歸於真神</a:t>
+            </a:r>
+            <a:endParaRPr lang="zh-TW" altLang="en-US" sz="7200" b="1" i="1" dirty="0">
+              <a:solidFill>
+                <a:srgbClr val="000066"/>
+              </a:solidFill>
+              <a:effectLst>
+                <a:outerShdw blurRad="38100" dist="38100" dir="2700000" algn="tl">
+                  <a:srgbClr val="000000">
+                    <a:alpha val="43137"/>
+                  </a:srgbClr>
+                </a:outerShdw>
+              </a:effectLst>
+              <a:latin typeface="微軟正黑體" pitchFamily="34" charset="-120"/>
+              <a:ea typeface="微軟正黑體" pitchFamily="34" charset="-120"/>
+            </a:endParaRPr>
+          </a:p>
+        </p:txBody>
+      </p:sp>
+    </p:spTree>
+    <p:extLst>
+      <p:ext uri="{BB962C8B-B14F-4D97-AF65-F5344CB8AC3E}">
+        <p14:creationId xmlns:p14="http://schemas.microsoft.com/office/powerpoint/2010/main" val="998852854"/>
+      </p:ext>
+    </p:extLst>
+  </p:cSld>
+  <p:clrMapOvr>
+    <a:masterClrMapping/>
+  </p:clrMapOvr>
+</p:sld>
+</file>
+
+<file path=ppt/slides/slide10.xml><?xml version="1.0" encoding="utf-8"?>
+<p:sld xmlns:a="http://schemas.openxmlformats.org/drawingml/2006/main" xmlns:r="http://schemas.openxmlformats.org/officeDocument/2006/relationships" xmlns:p="http://schemas.openxmlformats.org/presentationml/2006/main">
+  <p:cSld>
+    <p:spTree>
+      <p:nvGrpSpPr>
+        <p:cNvPr id="1" name=""/>
+        <p:cNvGrpSpPr/>
+        <p:nvPr/>
+      </p:nvGrpSpPr>
+      <p:grpSpPr>
+        <a:xfrm>
+          <a:off x="0" y="0"/>
+          <a:ext cx="0" cy="0"/>
+          <a:chOff x="0" y="0"/>
+          <a:chExt cx="0" cy="0"/>
+        </a:xfrm>
+      </p:grpSpPr>
+      <p:sp>
+        <p:nvSpPr>
+          <p:cNvPr id="5" name="內容版面配置區 4"/>
+          <p:cNvSpPr>
+            <a:spLocks noGrp="1"/>
+          </p:cNvSpPr>
+          <p:nvPr>
+            <p:ph idx="1"/>
+          </p:nvPr>
+        </p:nvSpPr>
+        <p:spPr>
+          <a:xfrm>
+            <a:off x="0" y="2084851"/>
+            <a:ext cx="12192000" cy="2404863"/>
+          </a:xfrm>
+        </p:spPr>
+        <p:txBody>
+          <a:bodyPr anchor="ctr">
+            <a:normAutofit/>
+          </a:bodyPr>
+          <a:lstStyle/>
+          <a:p>
+            <a:pPr algn="ctr">
+              <a:buNone/>
+            </a:pPr>
+            <a:r>
+              <a:rPr lang="zh-CN" altLang="en-US" sz="6400" b="1" dirty="0">
+                <a:solidFill>
+                  <a:srgbClr val="000066"/>
+                </a:solidFill>
+                <a:latin typeface="微軟正黑體" pitchFamily="34" charset="-120"/>
+                <a:ea typeface="微軟正黑體" pitchFamily="34" charset="-120"/>
+              </a:rPr>
+              <a:t>榮耀歸於真神  祂成就大事</a:t>
+            </a:r>
+            <a:endParaRPr lang="en-US" altLang="zh-CN" sz="6400" b="1" dirty="0">
               <a:solidFill>
                 <a:srgbClr val="000066"/>
               </a:solidFill>
@@ -3106,39 +3242,21 @@
               <a:ea typeface="微軟正黑體" pitchFamily="34" charset="-120"/>
             </a:endParaRPr>
           </a:p>
-        </p:txBody>
-      </p:sp>
-      <p:sp>
-        <p:nvSpPr>
-          <p:cNvPr id="5" name="內容版面配置區 4"/>
-          <p:cNvSpPr>
-            <a:spLocks noGrp="1"/>
-          </p:cNvSpPr>
-          <p:nvPr>
-            <p:ph idx="1"/>
-          </p:nvPr>
-        </p:nvSpPr>
-        <p:spPr/>
-        <p:txBody>
-          <a:bodyPr>
-            <a:noAutofit/>
-          </a:bodyPr>
-          <a:lstStyle/>
           <a:p>
             <a:pPr algn="ctr">
               <a:buNone/>
             </a:pPr>
             <a:r>
-              <a:rPr lang="zh-CN" altLang="en-US" sz="5400" b="1" dirty="0" smtClean="0">
+              <a:rPr lang="zh-CN" altLang="en-US" sz="6400" b="1" dirty="0">
                 <a:solidFill>
                   <a:srgbClr val="000066"/>
                 </a:solidFill>
                 <a:latin typeface="微軟正黑體" pitchFamily="34" charset="-120"/>
                 <a:ea typeface="微軟正黑體" pitchFamily="34" charset="-120"/>
               </a:rPr>
-              <a:t>榮耀歸於真神  祂成就大事</a:t>
-            </a:r>
-            <a:endParaRPr lang="en-US" altLang="zh-CN" sz="5400" b="1" dirty="0" smtClean="0">
+              <a:t>藉聖子耶穌我們得大歡喜</a:t>
+            </a:r>
+            <a:endParaRPr lang="en-US" altLang="zh-CN" sz="6400" b="1" dirty="0">
               <a:solidFill>
                 <a:srgbClr val="000066"/>
               </a:solidFill>
@@ -3146,21 +3264,142 @@
               <a:ea typeface="微軟正黑體" pitchFamily="34" charset="-120"/>
             </a:endParaRPr>
           </a:p>
+        </p:txBody>
+      </p:sp>
+      <p:sp>
+        <p:nvSpPr>
+          <p:cNvPr id="3" name="TextBox 2"/>
+          <p:cNvSpPr txBox="1"/>
+          <p:nvPr/>
+        </p:nvSpPr>
+        <p:spPr>
+          <a:xfrm>
+            <a:off x="0" y="5157192"/>
+            <a:ext cx="12192000" cy="646331"/>
+          </a:xfrm>
+          <a:prstGeom prst="rect">
+            <a:avLst/>
+          </a:prstGeom>
+          <a:noFill/>
+        </p:spPr>
+        <p:txBody>
+          <a:bodyPr wrap="square" rtlCol="0">
+            <a:spAutoFit/>
+          </a:bodyPr>
+          <a:lstStyle/>
+          <a:p>
+            <a:pPr algn="ctr"/>
+            <a:r>
+              <a:rPr lang="en-US" sz="3600" b="1" dirty="0">
+                <a:solidFill>
+                  <a:srgbClr val="000066"/>
+                </a:solidFill>
+                <a:ea typeface="Microsoft JhengHei" panose="020B0604030504040204" pitchFamily="34" charset="-120"/>
+              </a:rPr>
+              <a:t>( </a:t>
+            </a:r>
+            <a:r>
+              <a:rPr lang="en-US" altLang="zh-CN" sz="3600" b="1" dirty="0" smtClean="0">
+                <a:solidFill>
+                  <a:srgbClr val="000066"/>
+                </a:solidFill>
+                <a:ea typeface="Microsoft JhengHei" panose="020B0604030504040204" pitchFamily="34" charset="-120"/>
+              </a:rPr>
+              <a:t>3 / 3</a:t>
+            </a:r>
+            <a:r>
+              <a:rPr lang="en-US" sz="3600" b="1" dirty="0" smtClean="0">
+                <a:solidFill>
+                  <a:srgbClr val="000066"/>
+                </a:solidFill>
+                <a:ea typeface="Microsoft JhengHei" panose="020B0604030504040204" pitchFamily="34" charset="-120"/>
+              </a:rPr>
+              <a:t> </a:t>
+            </a:r>
+            <a:r>
+              <a:rPr lang="en-US" sz="3600" b="1" dirty="0">
+                <a:solidFill>
+                  <a:srgbClr val="000066"/>
+                </a:solidFill>
+                <a:ea typeface="Microsoft JhengHei" panose="020B0604030504040204" pitchFamily="34" charset="-120"/>
+              </a:rPr>
+              <a:t>)</a:t>
+            </a:r>
+            <a:endParaRPr lang="vi-VN" sz="3600" b="1" dirty="0">
+              <a:solidFill>
+                <a:srgbClr val="000066"/>
+              </a:solidFill>
+              <a:ea typeface="Microsoft JhengHei" panose="020B0604030504040204" pitchFamily="34" charset="-120"/>
+            </a:endParaRPr>
+          </a:p>
+        </p:txBody>
+      </p:sp>
+    </p:spTree>
+    <p:extLst>
+      <p:ext uri="{BB962C8B-B14F-4D97-AF65-F5344CB8AC3E}">
+        <p14:creationId xmlns:p14="http://schemas.microsoft.com/office/powerpoint/2010/main" val="4222869372"/>
+      </p:ext>
+    </p:extLst>
+  </p:cSld>
+  <p:clrMapOvr>
+    <a:masterClrMapping/>
+  </p:clrMapOvr>
+</p:sld>
+</file>
+
+<file path=ppt/slides/slide11.xml><?xml version="1.0" encoding="utf-8"?>
+<p:sld xmlns:a="http://schemas.openxmlformats.org/drawingml/2006/main" xmlns:r="http://schemas.openxmlformats.org/officeDocument/2006/relationships" xmlns:p="http://schemas.openxmlformats.org/presentationml/2006/main">
+  <p:cSld>
+    <p:spTree>
+      <p:nvGrpSpPr>
+        <p:cNvPr id="1" name=""/>
+        <p:cNvGrpSpPr/>
+        <p:nvPr/>
+      </p:nvGrpSpPr>
+      <p:grpSpPr>
+        <a:xfrm>
+          <a:off x="0" y="0"/>
+          <a:ext cx="0" cy="0"/>
+          <a:chOff x="0" y="0"/>
+          <a:chExt cx="0" cy="0"/>
+        </a:xfrm>
+      </p:grpSpPr>
+      <p:sp>
+        <p:nvSpPr>
+          <p:cNvPr id="5" name="內容版面配置區 4"/>
+          <p:cNvSpPr>
+            <a:spLocks noGrp="1"/>
+          </p:cNvSpPr>
+          <p:nvPr>
+            <p:ph idx="1"/>
+          </p:nvPr>
+        </p:nvSpPr>
+        <p:spPr>
+          <a:xfrm>
+            <a:off x="0" y="2084851"/>
+            <a:ext cx="12192000" cy="2404863"/>
+          </a:xfrm>
+        </p:spPr>
+        <p:txBody>
+          <a:bodyPr anchor="ctr">
+            <a:normAutofit/>
+          </a:bodyPr>
+          <a:lstStyle/>
           <a:p>
             <a:pPr algn="ctr">
               <a:buNone/>
             </a:pPr>
             <a:r>
-              <a:rPr lang="zh-CN" altLang="en-US" sz="5400" b="1" dirty="0" smtClean="0">
+              <a:rPr lang="zh-CN" altLang="en-US" sz="6400" b="1" dirty="0">
                 <a:solidFill>
                   <a:srgbClr val="000066"/>
                 </a:solidFill>
                 <a:latin typeface="微軟正黑體" pitchFamily="34" charset="-120"/>
                 <a:ea typeface="微軟正黑體" pitchFamily="34" charset="-120"/>
               </a:rPr>
-              <a:t>為愛世人甚至賜下獨生子</a:t>
-            </a:r>
-            <a:endParaRPr lang="en-US" altLang="zh-CN" sz="5400" b="1" dirty="0" smtClean="0">
+              <a:t>至聖至尊榮我主耶穌基督</a:t>
+            </a:r>
+            <a:endParaRPr lang="en-US" altLang="zh-CN" sz="6400" b="1" dirty="0">
               <a:solidFill>
                 <a:srgbClr val="000066"/>
               </a:solidFill>
@@ -3173,16 +3412,16 @@
               <a:buNone/>
             </a:pPr>
             <a:r>
-              <a:rPr lang="zh-CN" altLang="en-US" sz="5400" b="1" dirty="0" smtClean="0">
+              <a:rPr lang="zh-CN" altLang="en-US" sz="6400" b="1" dirty="0">
                 <a:solidFill>
                   <a:srgbClr val="000066"/>
                 </a:solidFill>
                 <a:latin typeface="微軟正黑體" pitchFamily="34" charset="-120"/>
                 <a:ea typeface="微軟正黑體" pitchFamily="34" charset="-120"/>
               </a:rPr>
-              <a:t>獻上祂生命為人贖罪受害</a:t>
-            </a:r>
-            <a:endParaRPr lang="en-US" altLang="zh-CN" sz="5400" b="1" dirty="0" smtClean="0">
+              <a:t>將來得見主面何等大恩福</a:t>
+            </a:r>
+            <a:endParaRPr lang="zh-TW" altLang="en-US" sz="6400" b="1" dirty="0">
               <a:solidFill>
                 <a:srgbClr val="000066"/>
               </a:solidFill>
@@ -3190,21 +3429,162 @@
               <a:ea typeface="微軟正黑體" pitchFamily="34" charset="-120"/>
             </a:endParaRPr>
           </a:p>
+        </p:txBody>
+      </p:sp>
+      <p:sp>
+        <p:nvSpPr>
+          <p:cNvPr id="3" name="TextBox 2"/>
+          <p:cNvSpPr txBox="1"/>
+          <p:nvPr/>
+        </p:nvSpPr>
+        <p:spPr>
+          <a:xfrm>
+            <a:off x="0" y="5157192"/>
+            <a:ext cx="12192000" cy="646331"/>
+          </a:xfrm>
+          <a:prstGeom prst="rect">
+            <a:avLst/>
+          </a:prstGeom>
+          <a:noFill/>
+        </p:spPr>
+        <p:txBody>
+          <a:bodyPr wrap="square" rtlCol="0">
+            <a:spAutoFit/>
+          </a:bodyPr>
+          <a:lstStyle/>
+          <a:p>
+            <a:pPr algn="ctr"/>
+            <a:r>
+              <a:rPr lang="en-US" sz="3600" b="1" dirty="0">
+                <a:solidFill>
+                  <a:srgbClr val="000066"/>
+                </a:solidFill>
+                <a:ea typeface="Microsoft JhengHei" panose="020B0604030504040204" pitchFamily="34" charset="-120"/>
+              </a:rPr>
+              <a:t>( </a:t>
+            </a:r>
+            <a:r>
+              <a:rPr lang="en-US" altLang="zh-CN" sz="3600" b="1" dirty="0" smtClean="0">
+                <a:solidFill>
+                  <a:srgbClr val="000066"/>
+                </a:solidFill>
+                <a:ea typeface="Microsoft JhengHei" panose="020B0604030504040204" pitchFamily="34" charset="-120"/>
+              </a:rPr>
+              <a:t>3 / 3</a:t>
+            </a:r>
+            <a:r>
+              <a:rPr lang="en-US" sz="3600" b="1" dirty="0" smtClean="0">
+                <a:solidFill>
+                  <a:srgbClr val="000066"/>
+                </a:solidFill>
+                <a:ea typeface="Microsoft JhengHei" panose="020B0604030504040204" pitchFamily="34" charset="-120"/>
+              </a:rPr>
+              <a:t> </a:t>
+            </a:r>
+            <a:r>
+              <a:rPr lang="en-US" sz="3600" b="1" dirty="0">
+                <a:solidFill>
+                  <a:srgbClr val="000066"/>
+                </a:solidFill>
+                <a:ea typeface="Microsoft JhengHei" panose="020B0604030504040204" pitchFamily="34" charset="-120"/>
+              </a:rPr>
+              <a:t>)</a:t>
+            </a:r>
+            <a:endParaRPr lang="vi-VN" sz="3600" b="1" dirty="0">
+              <a:solidFill>
+                <a:srgbClr val="000066"/>
+              </a:solidFill>
+              <a:ea typeface="Microsoft JhengHei" panose="020B0604030504040204" pitchFamily="34" charset="-120"/>
+            </a:endParaRPr>
+          </a:p>
+        </p:txBody>
+      </p:sp>
+    </p:spTree>
+    <p:extLst>
+      <p:ext uri="{BB962C8B-B14F-4D97-AF65-F5344CB8AC3E}">
+        <p14:creationId xmlns:p14="http://schemas.microsoft.com/office/powerpoint/2010/main" val="3311380200"/>
+      </p:ext>
+    </p:extLst>
+  </p:cSld>
+  <p:clrMapOvr>
+    <a:masterClrMapping/>
+  </p:clrMapOvr>
+</p:sld>
+</file>
+
+<file path=ppt/slides/slide12.xml><?xml version="1.0" encoding="utf-8"?>
+<p:sld xmlns:a="http://schemas.openxmlformats.org/drawingml/2006/main" xmlns:r="http://schemas.openxmlformats.org/officeDocument/2006/relationships" xmlns:p="http://schemas.openxmlformats.org/presentationml/2006/main">
+  <p:cSld>
+    <p:spTree>
+      <p:nvGrpSpPr>
+        <p:cNvPr id="1" name=""/>
+        <p:cNvGrpSpPr/>
+        <p:nvPr/>
+      </p:nvGrpSpPr>
+      <p:grpSpPr>
+        <a:xfrm>
+          <a:off x="0" y="0"/>
+          <a:ext cx="0" cy="0"/>
+          <a:chOff x="0" y="0"/>
+          <a:chExt cx="0" cy="0"/>
+        </a:xfrm>
+      </p:grpSpPr>
+      <p:sp>
+        <p:nvSpPr>
+          <p:cNvPr id="5" name="內容版面配置區 4"/>
+          <p:cNvSpPr>
+            <a:spLocks noGrp="1"/>
+          </p:cNvSpPr>
+          <p:nvPr>
+            <p:ph idx="1"/>
+          </p:nvPr>
+        </p:nvSpPr>
+        <p:spPr>
+          <a:xfrm>
+            <a:off x="0" y="2084851"/>
+            <a:ext cx="12192000" cy="2404863"/>
+          </a:xfrm>
+        </p:spPr>
+        <p:txBody>
+          <a:bodyPr anchor="ctr">
+            <a:normAutofit/>
+          </a:bodyPr>
+          <a:lstStyle/>
           <a:p>
             <a:pPr algn="ctr">
               <a:buNone/>
             </a:pPr>
             <a:r>
-              <a:rPr lang="zh-CN" altLang="en-US" sz="5400" b="1" dirty="0" smtClean="0">
+              <a:rPr lang="zh-CN" altLang="en-US" sz="6400" b="1" dirty="0">
                 <a:solidFill>
                   <a:srgbClr val="000066"/>
                 </a:solidFill>
                 <a:latin typeface="微軟正黑體" pitchFamily="34" charset="-120"/>
                 <a:ea typeface="微軟正黑體" pitchFamily="34" charset="-120"/>
               </a:rPr>
-              <a:t>永生門已大開人人可進來</a:t>
-            </a:r>
-            <a:endParaRPr lang="zh-TW" altLang="en-US" sz="5400" b="1" dirty="0">
+              <a:t>讚美主  讚美主</a:t>
+            </a:r>
+            <a:r>
+              <a:rPr lang="en-US" altLang="zh-CN" sz="6400" b="1" dirty="0">
+                <a:solidFill>
+                  <a:srgbClr val="000066"/>
+                </a:solidFill>
+                <a:latin typeface="微軟正黑體" pitchFamily="34" charset="-120"/>
+                <a:ea typeface="微軟正黑體" pitchFamily="34" charset="-120"/>
+              </a:rPr>
+              <a:t>  </a:t>
+            </a:r>
+            <a:r>
+              <a:rPr lang="zh-CN" altLang="en-US" sz="6400" b="1" dirty="0">
+                <a:solidFill>
+                  <a:srgbClr val="000066"/>
+                </a:solidFill>
+                <a:latin typeface="微軟正黑體" pitchFamily="34" charset="-120"/>
+                <a:ea typeface="微軟正黑體" pitchFamily="34" charset="-120"/>
+              </a:rPr>
+              <a:t>全地聽主聲音</a:t>
+            </a:r>
+            <a:endParaRPr lang="en-US" altLang="zh-CN" sz="6400" b="1" dirty="0">
               <a:solidFill>
                 <a:srgbClr val="000066"/>
               </a:solidFill>
@@ -3212,9 +3592,153 @@
               <a:ea typeface="微軟正黑體" pitchFamily="34" charset="-120"/>
             </a:endParaRPr>
           </a:p>
+          <a:p>
+            <a:pPr algn="ctr">
+              <a:buNone/>
+            </a:pPr>
+            <a:r>
+              <a:rPr lang="zh-CN" altLang="en-US" sz="6400" b="1" dirty="0">
+                <a:solidFill>
+                  <a:srgbClr val="000066"/>
+                </a:solidFill>
+                <a:latin typeface="微軟正黑體" pitchFamily="34" charset="-120"/>
+                <a:ea typeface="微軟正黑體" pitchFamily="34" charset="-120"/>
+              </a:rPr>
+              <a:t>讚美主  讚美主</a:t>
+            </a:r>
+            <a:r>
+              <a:rPr lang="en-US" altLang="zh-CN" sz="6400" b="1" dirty="0">
+                <a:solidFill>
+                  <a:srgbClr val="000066"/>
+                </a:solidFill>
+                <a:latin typeface="微軟正黑體" pitchFamily="34" charset="-120"/>
+                <a:ea typeface="微軟正黑體" pitchFamily="34" charset="-120"/>
+              </a:rPr>
+              <a:t>  </a:t>
+            </a:r>
+            <a:r>
+              <a:rPr lang="zh-CN" altLang="en-US" sz="6400" b="1" dirty="0">
+                <a:solidFill>
+                  <a:srgbClr val="000066"/>
+                </a:solidFill>
+                <a:latin typeface="微軟正黑體" pitchFamily="34" charset="-120"/>
+                <a:ea typeface="微軟正黑體" pitchFamily="34" charset="-120"/>
+              </a:rPr>
+              <a:t>萬民快樂高興</a:t>
+            </a:r>
+            <a:endParaRPr lang="en-US" altLang="zh-CN" sz="6400" b="1" dirty="0">
+              <a:solidFill>
+                <a:srgbClr val="000066"/>
+              </a:solidFill>
+              <a:latin typeface="微軟正黑體" pitchFamily="34" charset="-120"/>
+              <a:ea typeface="微軟正黑體" pitchFamily="34" charset="-120"/>
+            </a:endParaRPr>
+          </a:p>
         </p:txBody>
       </p:sp>
     </p:spTree>
+    <p:extLst>
+      <p:ext uri="{BB962C8B-B14F-4D97-AF65-F5344CB8AC3E}">
+        <p14:creationId xmlns:p14="http://schemas.microsoft.com/office/powerpoint/2010/main" val="186325696"/>
+      </p:ext>
+    </p:extLst>
+  </p:cSld>
+  <p:clrMapOvr>
+    <a:masterClrMapping/>
+  </p:clrMapOvr>
+</p:sld>
+</file>
+
+<file path=ppt/slides/slide13.xml><?xml version="1.0" encoding="utf-8"?>
+<p:sld xmlns:a="http://schemas.openxmlformats.org/drawingml/2006/main" xmlns:r="http://schemas.openxmlformats.org/officeDocument/2006/relationships" xmlns:p="http://schemas.openxmlformats.org/presentationml/2006/main">
+  <p:cSld>
+    <p:spTree>
+      <p:nvGrpSpPr>
+        <p:cNvPr id="1" name=""/>
+        <p:cNvGrpSpPr/>
+        <p:nvPr/>
+      </p:nvGrpSpPr>
+      <p:grpSpPr>
+        <a:xfrm>
+          <a:off x="0" y="0"/>
+          <a:ext cx="0" cy="0"/>
+          <a:chOff x="0" y="0"/>
+          <a:chExt cx="0" cy="0"/>
+        </a:xfrm>
+      </p:grpSpPr>
+      <p:sp>
+        <p:nvSpPr>
+          <p:cNvPr id="5" name="內容版面配置區 4"/>
+          <p:cNvSpPr>
+            <a:spLocks noGrp="1"/>
+          </p:cNvSpPr>
+          <p:nvPr>
+            <p:ph idx="1"/>
+          </p:nvPr>
+        </p:nvSpPr>
+        <p:spPr>
+          <a:xfrm>
+            <a:off x="0" y="2084851"/>
+            <a:ext cx="12192000" cy="2404863"/>
+          </a:xfrm>
+        </p:spPr>
+        <p:txBody>
+          <a:bodyPr anchor="ctr">
+            <a:normAutofit/>
+          </a:bodyPr>
+          <a:lstStyle/>
+          <a:p>
+            <a:pPr algn="ctr">
+              <a:buNone/>
+            </a:pPr>
+            <a:r>
+              <a:rPr lang="zh-CN" altLang="en-US" sz="6400" b="1" dirty="0">
+                <a:solidFill>
+                  <a:srgbClr val="000066"/>
+                </a:solidFill>
+                <a:latin typeface="微軟正黑體" pitchFamily="34" charset="-120"/>
+                <a:ea typeface="微軟正黑體" pitchFamily="34" charset="-120"/>
+              </a:rPr>
+              <a:t>請來藉主耶穌  進入父家中</a:t>
+            </a:r>
+            <a:endParaRPr lang="en-US" altLang="zh-CN" sz="6400" b="1" dirty="0">
+              <a:solidFill>
+                <a:srgbClr val="000066"/>
+              </a:solidFill>
+              <a:latin typeface="微軟正黑體" pitchFamily="34" charset="-120"/>
+              <a:ea typeface="微軟正黑體" pitchFamily="34" charset="-120"/>
+            </a:endParaRPr>
+          </a:p>
+          <a:p>
+            <a:pPr algn="ctr">
+              <a:buNone/>
+            </a:pPr>
+            <a:r>
+              <a:rPr lang="zh-CN" altLang="en-US" sz="6400" b="1" dirty="0">
+                <a:solidFill>
+                  <a:srgbClr val="000066"/>
+                </a:solidFill>
+                <a:latin typeface="微軟正黑體" pitchFamily="34" charset="-120"/>
+                <a:ea typeface="微軟正黑體" pitchFamily="34" charset="-120"/>
+              </a:rPr>
+              <a:t>榮耀歸主  祂已成就大事工</a:t>
+            </a:r>
+            <a:endParaRPr lang="zh-TW" altLang="en-US" sz="6400" b="1" dirty="0">
+              <a:solidFill>
+                <a:srgbClr val="000066"/>
+              </a:solidFill>
+              <a:latin typeface="微軟正黑體" pitchFamily="34" charset="-120"/>
+              <a:ea typeface="微軟正黑體" pitchFamily="34" charset="-120"/>
+            </a:endParaRPr>
+          </a:p>
+        </p:txBody>
+      </p:sp>
+    </p:spTree>
+    <p:extLst>
+      <p:ext uri="{BB962C8B-B14F-4D97-AF65-F5344CB8AC3E}">
+        <p14:creationId xmlns:p14="http://schemas.microsoft.com/office/powerpoint/2010/main" val="2703016160"/>
+      </p:ext>
+    </p:extLst>
   </p:cSld>
   <p:clrMapOvr>
     <a:masterClrMapping/>
@@ -3241,30 +3765,40 @@
       </p:grpSpPr>
       <p:sp>
         <p:nvSpPr>
-          <p:cNvPr id="4" name="標題 3"/>
-          <p:cNvSpPr>
-            <a:spLocks noGrp="1"/>
-          </p:cNvSpPr>
-          <p:nvPr>
-            <p:ph type="title"/>
-          </p:nvPr>
-        </p:nvSpPr>
-        <p:spPr/>
-        <p:txBody>
-          <a:bodyPr/>
-          <a:lstStyle/>
-          <a:p>
-            <a:r>
-              <a:rPr lang="zh-CN" altLang="en-US" b="1" dirty="0" smtClean="0">
+          <p:cNvPr id="5" name="內容版面配置區 4"/>
+          <p:cNvSpPr>
+            <a:spLocks noGrp="1"/>
+          </p:cNvSpPr>
+          <p:nvPr>
+            <p:ph idx="1"/>
+          </p:nvPr>
+        </p:nvSpPr>
+        <p:spPr>
+          <a:xfrm>
+            <a:off x="0" y="2084851"/>
+            <a:ext cx="12192000" cy="2404863"/>
+          </a:xfrm>
+        </p:spPr>
+        <p:txBody>
+          <a:bodyPr anchor="ctr">
+            <a:normAutofit/>
+          </a:bodyPr>
+          <a:lstStyle/>
+          <a:p>
+            <a:pPr algn="ctr">
+              <a:buNone/>
+            </a:pPr>
+            <a:r>
+              <a:rPr lang="zh-CN" altLang="en-US" sz="6400" b="1" dirty="0">
                 <a:solidFill>
                   <a:srgbClr val="000066"/>
                 </a:solidFill>
                 <a:latin typeface="微軟正黑體" pitchFamily="34" charset="-120"/>
                 <a:ea typeface="微軟正黑體" pitchFamily="34" charset="-120"/>
               </a:rPr>
-              <a:t>榮耀歸於真神</a:t>
-            </a:r>
-            <a:endParaRPr lang="zh-TW" altLang="en-US" b="1" dirty="0">
+              <a:t>榮耀歸於真神  祂成就大事</a:t>
+            </a:r>
+            <a:endParaRPr lang="en-US" altLang="zh-CN" sz="6400" b="1" dirty="0">
               <a:solidFill>
                 <a:srgbClr val="000066"/>
               </a:solidFill>
@@ -3272,64 +3806,21 @@
               <a:ea typeface="微軟正黑體" pitchFamily="34" charset="-120"/>
             </a:endParaRPr>
           </a:p>
-        </p:txBody>
-      </p:sp>
-      <p:sp>
-        <p:nvSpPr>
-          <p:cNvPr id="5" name="內容版面配置區 4"/>
-          <p:cNvSpPr>
-            <a:spLocks noGrp="1"/>
-          </p:cNvSpPr>
-          <p:nvPr>
-            <p:ph idx="1"/>
-          </p:nvPr>
-        </p:nvSpPr>
-        <p:spPr>
-          <a:xfrm>
-            <a:off x="0" y="1600200"/>
-            <a:ext cx="9144000" cy="4525963"/>
-          </a:xfrm>
-        </p:spPr>
-        <p:txBody>
-          <a:bodyPr>
-            <a:noAutofit/>
-          </a:bodyPr>
-          <a:lstStyle/>
           <a:p>
             <a:pPr algn="ctr">
               <a:buNone/>
             </a:pPr>
             <a:r>
-              <a:rPr lang="zh-CN" altLang="en-US" sz="5400" b="1" dirty="0" smtClean="0">
+              <a:rPr lang="zh-CN" altLang="en-US" sz="6400" b="1" dirty="0">
                 <a:solidFill>
                   <a:srgbClr val="000066"/>
                 </a:solidFill>
                 <a:latin typeface="微軟正黑體" pitchFamily="34" charset="-120"/>
                 <a:ea typeface="微軟正黑體" pitchFamily="34" charset="-120"/>
               </a:rPr>
-              <a:t>讚美主  讚美主</a:t>
-            </a:r>
-            <a:r>
-              <a:rPr lang="en-US" altLang="zh-CN" sz="5400" b="1" dirty="0" smtClean="0">
-                <a:solidFill>
-                  <a:srgbClr val="000066"/>
-                </a:solidFill>
-                <a:latin typeface="微軟正黑體" pitchFamily="34" charset="-120"/>
-                <a:ea typeface="微軟正黑體" pitchFamily="34" charset="-120"/>
-              </a:rPr>
-              <a:t>  </a:t>
-            </a:r>
-            <a:r>
-              <a:rPr lang="zh-CN" altLang="en-US" sz="5400" b="1" dirty="0" smtClean="0">
-                <a:solidFill>
-                  <a:srgbClr val="000066"/>
-                </a:solidFill>
-                <a:latin typeface="微軟正黑體" pitchFamily="34" charset="-120"/>
-                <a:ea typeface="微軟正黑體" pitchFamily="34" charset="-120"/>
-              </a:rPr>
-              <a:t>全地聽主聲音</a:t>
-            </a:r>
-            <a:endParaRPr lang="en-US" altLang="zh-CN" sz="5400" b="1" dirty="0" smtClean="0">
+              <a:t>為愛世人甚至賜下獨生子</a:t>
+            </a:r>
+            <a:endParaRPr lang="en-US" altLang="zh-CN" sz="6400" b="1" dirty="0">
               <a:solidFill>
                 <a:srgbClr val="000066"/>
               </a:solidFill>
@@ -3337,95 +3828,82 @@
               <a:ea typeface="微軟正黑體" pitchFamily="34" charset="-120"/>
             </a:endParaRPr>
           </a:p>
-          <a:p>
-            <a:pPr algn="ctr">
-              <a:buNone/>
-            </a:pPr>
-            <a:r>
-              <a:rPr lang="zh-CN" altLang="en-US" sz="5400" b="1" dirty="0" smtClean="0">
-                <a:solidFill>
-                  <a:srgbClr val="000066"/>
-                </a:solidFill>
-                <a:latin typeface="微軟正黑體" pitchFamily="34" charset="-120"/>
-                <a:ea typeface="微軟正黑體" pitchFamily="34" charset="-120"/>
-              </a:rPr>
-              <a:t>讚美主  讚美主</a:t>
-            </a:r>
-            <a:r>
-              <a:rPr lang="en-US" altLang="zh-CN" sz="5400" b="1" dirty="0" smtClean="0">
-                <a:solidFill>
-                  <a:srgbClr val="000066"/>
-                </a:solidFill>
-                <a:latin typeface="微軟正黑體" pitchFamily="34" charset="-120"/>
-                <a:ea typeface="微軟正黑體" pitchFamily="34" charset="-120"/>
-              </a:rPr>
-              <a:t>  </a:t>
-            </a:r>
-            <a:r>
-              <a:rPr lang="zh-CN" altLang="en-US" sz="5400" b="1" dirty="0" smtClean="0">
-                <a:solidFill>
-                  <a:srgbClr val="000066"/>
-                </a:solidFill>
-                <a:latin typeface="微軟正黑體" pitchFamily="34" charset="-120"/>
-                <a:ea typeface="微軟正黑體" pitchFamily="34" charset="-120"/>
-              </a:rPr>
-              <a:t>萬民快樂高興</a:t>
-            </a:r>
-            <a:endParaRPr lang="en-US" altLang="zh-CN" sz="5400" b="1" dirty="0" smtClean="0">
+        </p:txBody>
+      </p:sp>
+      <p:sp>
+        <p:nvSpPr>
+          <p:cNvPr id="3" name="TextBox 2"/>
+          <p:cNvSpPr txBox="1"/>
+          <p:nvPr/>
+        </p:nvSpPr>
+        <p:spPr>
+          <a:xfrm>
+            <a:off x="0" y="5157192"/>
+            <a:ext cx="12192000" cy="646331"/>
+          </a:xfrm>
+          <a:prstGeom prst="rect">
+            <a:avLst/>
+          </a:prstGeom>
+          <a:noFill/>
+        </p:spPr>
+        <p:txBody>
+          <a:bodyPr wrap="square" rtlCol="0">
+            <a:spAutoFit/>
+          </a:bodyPr>
+          <a:lstStyle/>
+          <a:p>
+            <a:pPr algn="ctr"/>
+            <a:r>
+              <a:rPr lang="en-US" sz="3600" b="1" dirty="0">
+                <a:solidFill>
+                  <a:srgbClr val="000066"/>
+                </a:solidFill>
+                <a:ea typeface="Microsoft JhengHei" panose="020B0604030504040204" pitchFamily="34" charset="-120"/>
+              </a:rPr>
+              <a:t>( </a:t>
+            </a:r>
+            <a:r>
+              <a:rPr lang="en-US" altLang="zh-CN" sz="3600" b="1" dirty="0" smtClean="0">
+                <a:solidFill>
+                  <a:srgbClr val="000066"/>
+                </a:solidFill>
+                <a:ea typeface="Microsoft JhengHei" panose="020B0604030504040204" pitchFamily="34" charset="-120"/>
+              </a:rPr>
+              <a:t>1 / 3</a:t>
+            </a:r>
+            <a:r>
+              <a:rPr lang="en-US" sz="3600" b="1" dirty="0" smtClean="0">
+                <a:solidFill>
+                  <a:srgbClr val="000066"/>
+                </a:solidFill>
+                <a:ea typeface="Microsoft JhengHei" panose="020B0604030504040204" pitchFamily="34" charset="-120"/>
+              </a:rPr>
+              <a:t> </a:t>
+            </a:r>
+            <a:r>
+              <a:rPr lang="en-US" sz="3600" b="1" dirty="0">
+                <a:solidFill>
+                  <a:srgbClr val="000066"/>
+                </a:solidFill>
+                <a:ea typeface="Microsoft JhengHei" panose="020B0604030504040204" pitchFamily="34" charset="-120"/>
+              </a:rPr>
+              <a:t>)</a:t>
+            </a:r>
+            <a:endParaRPr lang="vi-VN" sz="3600" b="1" dirty="0">
               <a:solidFill>
                 <a:srgbClr val="000066"/>
               </a:solidFill>
-              <a:latin typeface="微軟正黑體" pitchFamily="34" charset="-120"/>
-              <a:ea typeface="微軟正黑體" pitchFamily="34" charset="-120"/>
+              <a:ea typeface="Microsoft JhengHei" panose="020B0604030504040204" pitchFamily="34" charset="-120"/>
             </a:endParaRPr>
           </a:p>
-          <a:p>
-            <a:pPr algn="ctr">
-              <a:buNone/>
-            </a:pPr>
-            <a:r>
-              <a:rPr lang="zh-CN" altLang="en-US" sz="5400" b="1" dirty="0" smtClean="0">
-                <a:solidFill>
-                  <a:srgbClr val="000066"/>
-                </a:solidFill>
-                <a:latin typeface="微軟正黑體" pitchFamily="34" charset="-120"/>
-                <a:ea typeface="微軟正黑體" pitchFamily="34" charset="-120"/>
-              </a:rPr>
-              <a:t>請來藉主耶穌  進入父家中</a:t>
-            </a:r>
-            <a:endParaRPr lang="en-US" altLang="zh-CN" sz="5400" b="1" dirty="0" smtClean="0">
-              <a:solidFill>
-                <a:srgbClr val="000066"/>
-              </a:solidFill>
-              <a:latin typeface="微軟正黑體" pitchFamily="34" charset="-120"/>
-              <a:ea typeface="微軟正黑體" pitchFamily="34" charset="-120"/>
-            </a:endParaRPr>
-          </a:p>
-          <a:p>
-            <a:pPr algn="ctr">
-              <a:buNone/>
-            </a:pPr>
-            <a:r>
-              <a:rPr lang="zh-CN" altLang="en-US" sz="5400" b="1" dirty="0" smtClean="0">
-                <a:solidFill>
-                  <a:srgbClr val="000066"/>
-                </a:solidFill>
-                <a:latin typeface="微軟正黑體" pitchFamily="34" charset="-120"/>
-                <a:ea typeface="微軟正黑體" pitchFamily="34" charset="-120"/>
-              </a:rPr>
-              <a:t>榮耀歸主  祂已成就大事工</a:t>
-            </a:r>
-            <a:endParaRPr lang="zh-TW" altLang="en-US" sz="5400" b="1" dirty="0">
-              <a:solidFill>
-                <a:srgbClr val="000066"/>
-              </a:solidFill>
-              <a:latin typeface="微軟正黑體" pitchFamily="34" charset="-120"/>
-              <a:ea typeface="微軟正黑體" pitchFamily="34" charset="-120"/>
-            </a:endParaRPr>
-          </a:p>
         </p:txBody>
       </p:sp>
     </p:spTree>
+    <p:extLst>
+      <p:ext uri="{BB962C8B-B14F-4D97-AF65-F5344CB8AC3E}">
+        <p14:creationId xmlns:p14="http://schemas.microsoft.com/office/powerpoint/2010/main" val="1764215839"/>
+      </p:ext>
+    </p:extLst>
   </p:cSld>
   <p:clrMapOvr>
     <a:masterClrMapping/>
@@ -3452,30 +3930,40 @@
       </p:grpSpPr>
       <p:sp>
         <p:nvSpPr>
-          <p:cNvPr id="4" name="標題 3"/>
-          <p:cNvSpPr>
-            <a:spLocks noGrp="1"/>
-          </p:cNvSpPr>
-          <p:nvPr>
-            <p:ph type="title"/>
-          </p:nvPr>
-        </p:nvSpPr>
-        <p:spPr/>
-        <p:txBody>
-          <a:bodyPr/>
-          <a:lstStyle/>
-          <a:p>
-            <a:r>
-              <a:rPr lang="zh-CN" altLang="en-US" b="1" dirty="0" smtClean="0">
+          <p:cNvPr id="5" name="內容版面配置區 4"/>
+          <p:cNvSpPr>
+            <a:spLocks noGrp="1"/>
+          </p:cNvSpPr>
+          <p:nvPr>
+            <p:ph idx="1"/>
+          </p:nvPr>
+        </p:nvSpPr>
+        <p:spPr>
+          <a:xfrm>
+            <a:off x="0" y="2084851"/>
+            <a:ext cx="12192000" cy="2404863"/>
+          </a:xfrm>
+        </p:spPr>
+        <p:txBody>
+          <a:bodyPr anchor="ctr">
+            <a:normAutofit/>
+          </a:bodyPr>
+          <a:lstStyle/>
+          <a:p>
+            <a:pPr algn="ctr">
+              <a:buNone/>
+            </a:pPr>
+            <a:r>
+              <a:rPr lang="zh-CN" altLang="en-US" sz="6400" b="1" dirty="0">
                 <a:solidFill>
                   <a:srgbClr val="000066"/>
                 </a:solidFill>
                 <a:latin typeface="微軟正黑體" pitchFamily="34" charset="-120"/>
                 <a:ea typeface="微軟正黑體" pitchFamily="34" charset="-120"/>
               </a:rPr>
-              <a:t>榮耀歸於真神</a:t>
-            </a:r>
-            <a:endParaRPr lang="zh-TW" altLang="en-US" b="1" dirty="0">
+              <a:t>獻上祂生命為人贖罪受害</a:t>
+            </a:r>
+            <a:endParaRPr lang="en-US" altLang="zh-CN" sz="6400" b="1" dirty="0">
               <a:solidFill>
                 <a:srgbClr val="000066"/>
               </a:solidFill>
@@ -3483,39 +3971,21 @@
               <a:ea typeface="微軟正黑體" pitchFamily="34" charset="-120"/>
             </a:endParaRPr>
           </a:p>
-        </p:txBody>
-      </p:sp>
-      <p:sp>
-        <p:nvSpPr>
-          <p:cNvPr id="5" name="內容版面配置區 4"/>
-          <p:cNvSpPr>
-            <a:spLocks noGrp="1"/>
-          </p:cNvSpPr>
-          <p:nvPr>
-            <p:ph idx="1"/>
-          </p:nvPr>
-        </p:nvSpPr>
-        <p:spPr/>
-        <p:txBody>
-          <a:bodyPr>
-            <a:noAutofit/>
-          </a:bodyPr>
-          <a:lstStyle/>
           <a:p>
             <a:pPr algn="ctr">
               <a:buNone/>
             </a:pPr>
             <a:r>
-              <a:rPr lang="zh-TW" altLang="en-US" sz="5400" b="1" dirty="0" smtClean="0">
+              <a:rPr lang="zh-CN" altLang="en-US" sz="6400" b="1" dirty="0">
                 <a:solidFill>
                   <a:srgbClr val="000066"/>
                 </a:solidFill>
                 <a:latin typeface="微軟正黑體" pitchFamily="34" charset="-120"/>
                 <a:ea typeface="微軟正黑體" pitchFamily="34" charset="-120"/>
               </a:rPr>
-              <a:t>救主流寶血  何等全備救恩</a:t>
-            </a:r>
-            <a:endParaRPr lang="en-US" altLang="zh-TW" sz="5400" b="1" dirty="0" smtClean="0">
+              <a:t>永生門已大開人人可進來</a:t>
+            </a:r>
+            <a:endParaRPr lang="zh-TW" altLang="en-US" sz="6400" b="1" dirty="0">
               <a:solidFill>
                 <a:srgbClr val="000066"/>
               </a:solidFill>
@@ -3523,75 +3993,82 @@
               <a:ea typeface="微軟正黑體" pitchFamily="34" charset="-120"/>
             </a:endParaRPr>
           </a:p>
-          <a:p>
-            <a:pPr algn="ctr">
-              <a:buNone/>
-            </a:pPr>
-            <a:r>
-              <a:rPr lang="zh-TW" altLang="en-US" sz="5400" b="1" dirty="0" smtClean="0">
-                <a:solidFill>
-                  <a:srgbClr val="000066"/>
-                </a:solidFill>
-                <a:latin typeface="微軟正黑體" pitchFamily="34" charset="-120"/>
-                <a:ea typeface="微軟正黑體" pitchFamily="34" charset="-120"/>
-              </a:rPr>
-              <a:t>真神應許賜給凡信祂的人</a:t>
-            </a:r>
-            <a:endParaRPr lang="en-US" altLang="zh-TW" sz="5400" b="1" dirty="0" smtClean="0">
+        </p:txBody>
+      </p:sp>
+      <p:sp>
+        <p:nvSpPr>
+          <p:cNvPr id="3" name="TextBox 2"/>
+          <p:cNvSpPr txBox="1"/>
+          <p:nvPr/>
+        </p:nvSpPr>
+        <p:spPr>
+          <a:xfrm>
+            <a:off x="0" y="5157192"/>
+            <a:ext cx="12192000" cy="646331"/>
+          </a:xfrm>
+          <a:prstGeom prst="rect">
+            <a:avLst/>
+          </a:prstGeom>
+          <a:noFill/>
+        </p:spPr>
+        <p:txBody>
+          <a:bodyPr wrap="square" rtlCol="0">
+            <a:spAutoFit/>
+          </a:bodyPr>
+          <a:lstStyle/>
+          <a:p>
+            <a:pPr algn="ctr"/>
+            <a:r>
+              <a:rPr lang="en-US" sz="3600" b="1" dirty="0">
+                <a:solidFill>
+                  <a:srgbClr val="000066"/>
+                </a:solidFill>
+                <a:ea typeface="Microsoft JhengHei" panose="020B0604030504040204" pitchFamily="34" charset="-120"/>
+              </a:rPr>
+              <a:t>( </a:t>
+            </a:r>
+            <a:r>
+              <a:rPr lang="en-US" altLang="zh-CN" sz="3600" b="1" dirty="0" smtClean="0">
+                <a:solidFill>
+                  <a:srgbClr val="000066"/>
+                </a:solidFill>
+                <a:ea typeface="Microsoft JhengHei" panose="020B0604030504040204" pitchFamily="34" charset="-120"/>
+              </a:rPr>
+              <a:t>1 / 3</a:t>
+            </a:r>
+            <a:r>
+              <a:rPr lang="en-US" sz="3600" b="1" dirty="0" smtClean="0">
+                <a:solidFill>
+                  <a:srgbClr val="000066"/>
+                </a:solidFill>
+                <a:ea typeface="Microsoft JhengHei" panose="020B0604030504040204" pitchFamily="34" charset="-120"/>
+              </a:rPr>
+              <a:t> </a:t>
+            </a:r>
+            <a:r>
+              <a:rPr lang="en-US" sz="3600" b="1" dirty="0">
+                <a:solidFill>
+                  <a:srgbClr val="000066"/>
+                </a:solidFill>
+                <a:ea typeface="Microsoft JhengHei" panose="020B0604030504040204" pitchFamily="34" charset="-120"/>
+              </a:rPr>
+              <a:t>)</a:t>
+            </a:r>
+            <a:endParaRPr lang="vi-VN" sz="3600" b="1" dirty="0">
               <a:solidFill>
                 <a:srgbClr val="000066"/>
               </a:solidFill>
-              <a:latin typeface="微軟正黑體" pitchFamily="34" charset="-120"/>
-              <a:ea typeface="微軟正黑體" pitchFamily="34" charset="-120"/>
+              <a:ea typeface="Microsoft JhengHei" panose="020B0604030504040204" pitchFamily="34" charset="-120"/>
             </a:endParaRPr>
           </a:p>
-          <a:p>
-            <a:pPr algn="ctr">
-              <a:buNone/>
-            </a:pPr>
-            <a:r>
-              <a:rPr lang="zh-TW" altLang="en-US" sz="5400" b="1" dirty="0" smtClean="0">
-                <a:solidFill>
-                  <a:srgbClr val="000066"/>
-                </a:solidFill>
-                <a:latin typeface="微軟正黑體" pitchFamily="34" charset="-120"/>
-                <a:ea typeface="微軟正黑體" pitchFamily="34" charset="-120"/>
-              </a:rPr>
-              <a:t>罪人中之罪魁若真心相信</a:t>
-            </a:r>
-            <a:endParaRPr lang="en-US" altLang="zh-TW" sz="5400" b="1" dirty="0" smtClean="0">
-              <a:solidFill>
-                <a:srgbClr val="000066"/>
-              </a:solidFill>
-              <a:latin typeface="微軟正黑體" pitchFamily="34" charset="-120"/>
-              <a:ea typeface="微軟正黑體" pitchFamily="34" charset="-120"/>
-            </a:endParaRPr>
-          </a:p>
-          <a:p>
-            <a:pPr algn="ctr">
-              <a:buNone/>
-            </a:pPr>
-            <a:r>
-              <a:rPr lang="zh-TW" altLang="en-US" sz="5400" b="1" dirty="0" smtClean="0">
-                <a:solidFill>
-                  <a:srgbClr val="000066"/>
-                </a:solidFill>
-                <a:latin typeface="微軟正黑體" pitchFamily="34" charset="-120"/>
-                <a:ea typeface="微軟正黑體" pitchFamily="34" charset="-120"/>
-              </a:rPr>
-              <a:t>一信靠主就必得赦罪之恩</a:t>
-            </a:r>
-            <a:endParaRPr lang="zh-TW" altLang="en-US" sz="5400" b="1" dirty="0">
-              <a:solidFill>
-                <a:srgbClr val="000066"/>
-              </a:solidFill>
-              <a:latin typeface="微軟正黑體" pitchFamily="34" charset="-120"/>
-              <a:ea typeface="微軟正黑體" pitchFamily="34" charset="-120"/>
-            </a:endParaRPr>
-          </a:p>
         </p:txBody>
       </p:sp>
     </p:spTree>
+    <p:extLst>
+      <p:ext uri="{BB962C8B-B14F-4D97-AF65-F5344CB8AC3E}">
+        <p14:creationId xmlns:p14="http://schemas.microsoft.com/office/powerpoint/2010/main" val="3304873710"/>
+      </p:ext>
+    </p:extLst>
   </p:cSld>
   <p:clrMapOvr>
     <a:masterClrMapping/>
@@ -3618,30 +4095,60 @@
       </p:grpSpPr>
       <p:sp>
         <p:nvSpPr>
-          <p:cNvPr id="4" name="標題 3"/>
-          <p:cNvSpPr>
-            <a:spLocks noGrp="1"/>
-          </p:cNvSpPr>
-          <p:nvPr>
-            <p:ph type="title"/>
-          </p:nvPr>
-        </p:nvSpPr>
-        <p:spPr/>
-        <p:txBody>
-          <a:bodyPr/>
-          <a:lstStyle/>
-          <a:p>
-            <a:r>
-              <a:rPr lang="zh-CN" altLang="en-US" b="1" dirty="0" smtClean="0">
+          <p:cNvPr id="5" name="內容版面配置區 4"/>
+          <p:cNvSpPr>
+            <a:spLocks noGrp="1"/>
+          </p:cNvSpPr>
+          <p:nvPr>
+            <p:ph idx="1"/>
+          </p:nvPr>
+        </p:nvSpPr>
+        <p:spPr>
+          <a:xfrm>
+            <a:off x="0" y="2084851"/>
+            <a:ext cx="12192000" cy="2404863"/>
+          </a:xfrm>
+        </p:spPr>
+        <p:txBody>
+          <a:bodyPr anchor="ctr">
+            <a:normAutofit/>
+          </a:bodyPr>
+          <a:lstStyle/>
+          <a:p>
+            <a:pPr algn="ctr">
+              <a:buNone/>
+            </a:pPr>
+            <a:r>
+              <a:rPr lang="zh-CN" altLang="en-US" sz="6400" b="1" dirty="0">
                 <a:solidFill>
                   <a:srgbClr val="000066"/>
                 </a:solidFill>
                 <a:latin typeface="微軟正黑體" pitchFamily="34" charset="-120"/>
                 <a:ea typeface="微軟正黑體" pitchFamily="34" charset="-120"/>
               </a:rPr>
-              <a:t>榮耀歸於真神</a:t>
-            </a:r>
-            <a:endParaRPr lang="zh-TW" altLang="en-US" b="1" dirty="0">
+              <a:t>讚美主  讚美主</a:t>
+            </a:r>
+            <a:r>
+              <a:rPr lang="en-US" altLang="zh-CN" sz="6400" b="1" dirty="0">
+                <a:solidFill>
+                  <a:srgbClr val="000066"/>
+                </a:solidFill>
+                <a:latin typeface="微軟正黑體" pitchFamily="34" charset="-120"/>
+                <a:ea typeface="微軟正黑體" pitchFamily="34" charset="-120"/>
+              </a:rPr>
+              <a:t>  </a:t>
+            </a:r>
+            <a:r>
+              <a:rPr lang="zh-CN" altLang="en-US" sz="6400" b="1" dirty="0">
+                <a:solidFill>
+                  <a:srgbClr val="000066"/>
+                </a:solidFill>
+                <a:latin typeface="微軟正黑體" pitchFamily="34" charset="-120"/>
+                <a:ea typeface="微軟正黑體" pitchFamily="34" charset="-120"/>
+              </a:rPr>
+              <a:t>全地聽主聲音</a:t>
+            </a:r>
+            <a:endParaRPr lang="en-US" altLang="zh-CN" sz="6400" b="1" dirty="0">
               <a:solidFill>
                 <a:srgbClr val="000066"/>
               </a:solidFill>
@@ -3649,35 +4156,12 @@
               <a:ea typeface="微軟正黑體" pitchFamily="34" charset="-120"/>
             </a:endParaRPr>
           </a:p>
-        </p:txBody>
-      </p:sp>
-      <p:sp>
-        <p:nvSpPr>
-          <p:cNvPr id="5" name="內容版面配置區 4"/>
-          <p:cNvSpPr>
-            <a:spLocks noGrp="1"/>
-          </p:cNvSpPr>
-          <p:nvPr>
-            <p:ph idx="1"/>
-          </p:nvPr>
-        </p:nvSpPr>
-        <p:spPr>
-          <a:xfrm>
-            <a:off x="0" y="1600200"/>
-            <a:ext cx="9144000" cy="4525963"/>
-          </a:xfrm>
-        </p:spPr>
-        <p:txBody>
-          <a:bodyPr>
-            <a:noAutofit/>
-          </a:bodyPr>
-          <a:lstStyle/>
           <a:p>
             <a:pPr algn="ctr">
               <a:buNone/>
             </a:pPr>
             <a:r>
-              <a:rPr lang="zh-CN" altLang="en-US" sz="5400" b="1" dirty="0" smtClean="0">
+              <a:rPr lang="zh-CN" altLang="en-US" sz="6400" b="1" dirty="0">
                 <a:solidFill>
                   <a:srgbClr val="000066"/>
                 </a:solidFill>
@@ -3687,7 +4171,7 @@
               <a:t>讚美主  讚美主</a:t>
             </a:r>
             <a:r>
-              <a:rPr lang="en-US" altLang="zh-CN" sz="5400" b="1" dirty="0" smtClean="0">
+              <a:rPr lang="en-US" altLang="zh-CN" sz="6400" b="1" dirty="0">
                 <a:solidFill>
                   <a:srgbClr val="000066"/>
                 </a:solidFill>
@@ -3697,16 +4181,16 @@
               <a:t>  </a:t>
             </a:r>
             <a:r>
-              <a:rPr lang="zh-CN" altLang="en-US" sz="5400" b="1" dirty="0" smtClean="0">
+              <a:rPr lang="zh-CN" altLang="en-US" sz="6400" b="1" dirty="0">
                 <a:solidFill>
                   <a:srgbClr val="000066"/>
                 </a:solidFill>
                 <a:latin typeface="微軟正黑體" pitchFamily="34" charset="-120"/>
                 <a:ea typeface="微軟正黑體" pitchFamily="34" charset="-120"/>
               </a:rPr>
-              <a:t>全地聽主聲音</a:t>
-            </a:r>
-            <a:endParaRPr lang="en-US" altLang="zh-CN" sz="5400" b="1" dirty="0" smtClean="0">
+              <a:t>萬民快樂高興</a:t>
+            </a:r>
+            <a:endParaRPr lang="en-US" altLang="zh-CN" sz="6400" b="1" dirty="0">
               <a:solidFill>
                 <a:srgbClr val="000066"/>
               </a:solidFill>
@@ -3714,95 +4198,14 @@
               <a:ea typeface="微軟正黑體" pitchFamily="34" charset="-120"/>
             </a:endParaRPr>
           </a:p>
-          <a:p>
-            <a:pPr algn="ctr">
-              <a:buNone/>
-            </a:pPr>
-            <a:r>
-              <a:rPr lang="zh-CN" altLang="en-US" sz="5400" b="1" dirty="0" smtClean="0">
-                <a:solidFill>
-                  <a:srgbClr val="000066"/>
-                </a:solidFill>
-                <a:latin typeface="微軟正黑體" pitchFamily="34" charset="-120"/>
-                <a:ea typeface="微軟正黑體" pitchFamily="34" charset="-120"/>
-              </a:rPr>
-              <a:t>讚美主  讚美主</a:t>
-            </a:r>
-            <a:r>
-              <a:rPr lang="en-US" altLang="zh-CN" sz="5400" b="1" dirty="0" smtClean="0">
-                <a:solidFill>
-                  <a:srgbClr val="000066"/>
-                </a:solidFill>
-                <a:latin typeface="微軟正黑體" pitchFamily="34" charset="-120"/>
-                <a:ea typeface="微軟正黑體" pitchFamily="34" charset="-120"/>
-              </a:rPr>
-              <a:t>  </a:t>
-            </a:r>
-            <a:r>
-              <a:rPr lang="zh-CN" altLang="en-US" sz="5400" b="1" dirty="0" smtClean="0">
-                <a:solidFill>
-                  <a:srgbClr val="000066"/>
-                </a:solidFill>
-                <a:latin typeface="微軟正黑體" pitchFamily="34" charset="-120"/>
-                <a:ea typeface="微軟正黑體" pitchFamily="34" charset="-120"/>
-              </a:rPr>
-              <a:t>萬民快樂高興</a:t>
-            </a:r>
-            <a:endParaRPr lang="en-US" altLang="zh-CN" sz="5400" b="1" dirty="0" smtClean="0">
-              <a:solidFill>
-                <a:srgbClr val="000066"/>
-              </a:solidFill>
-              <a:latin typeface="微軟正黑體" pitchFamily="34" charset="-120"/>
-              <a:ea typeface="微軟正黑體" pitchFamily="34" charset="-120"/>
-            </a:endParaRPr>
-          </a:p>
-          <a:p>
-            <a:pPr algn="ctr">
-              <a:buNone/>
-            </a:pPr>
-            <a:r>
-              <a:rPr lang="zh-CN" altLang="en-US" sz="5400" b="1" dirty="0" smtClean="0">
-                <a:solidFill>
-                  <a:srgbClr val="000066"/>
-                </a:solidFill>
-                <a:latin typeface="微軟正黑體" pitchFamily="34" charset="-120"/>
-                <a:ea typeface="微軟正黑體" pitchFamily="34" charset="-120"/>
-              </a:rPr>
-              <a:t>請來藉主耶穌  進入父家中</a:t>
-            </a:r>
-            <a:endParaRPr lang="en-US" altLang="zh-CN" sz="5400" b="1" dirty="0" smtClean="0">
-              <a:solidFill>
-                <a:srgbClr val="000066"/>
-              </a:solidFill>
-              <a:latin typeface="微軟正黑體" pitchFamily="34" charset="-120"/>
-              <a:ea typeface="微軟正黑體" pitchFamily="34" charset="-120"/>
-            </a:endParaRPr>
-          </a:p>
-          <a:p>
-            <a:pPr algn="ctr">
-              <a:buNone/>
-            </a:pPr>
-            <a:r>
-              <a:rPr lang="zh-CN" altLang="en-US" sz="5400" b="1" dirty="0" smtClean="0">
-                <a:solidFill>
-                  <a:srgbClr val="000066"/>
-                </a:solidFill>
-                <a:latin typeface="微軟正黑體" pitchFamily="34" charset="-120"/>
-                <a:ea typeface="微軟正黑體" pitchFamily="34" charset="-120"/>
-              </a:rPr>
-              <a:t>榮耀歸主  祂已成就大事工</a:t>
-            </a:r>
-            <a:endParaRPr lang="zh-TW" altLang="en-US" sz="5400" b="1" dirty="0">
-              <a:solidFill>
-                <a:srgbClr val="000066"/>
-              </a:solidFill>
-              <a:latin typeface="微軟正黑體" pitchFamily="34" charset="-120"/>
-              <a:ea typeface="微軟正黑體" pitchFamily="34" charset="-120"/>
-            </a:endParaRPr>
-          </a:p>
         </p:txBody>
       </p:sp>
     </p:spTree>
+    <p:extLst>
+      <p:ext uri="{BB962C8B-B14F-4D97-AF65-F5344CB8AC3E}">
+        <p14:creationId xmlns:p14="http://schemas.microsoft.com/office/powerpoint/2010/main" val="917616003"/>
+      </p:ext>
+    </p:extLst>
   </p:cSld>
   <p:clrMapOvr>
     <a:masterClrMapping/>
@@ -3829,30 +4232,40 @@
       </p:grpSpPr>
       <p:sp>
         <p:nvSpPr>
-          <p:cNvPr id="4" name="標題 3"/>
-          <p:cNvSpPr>
-            <a:spLocks noGrp="1"/>
-          </p:cNvSpPr>
-          <p:nvPr>
-            <p:ph type="title"/>
-          </p:nvPr>
-        </p:nvSpPr>
-        <p:spPr/>
-        <p:txBody>
-          <a:bodyPr/>
-          <a:lstStyle/>
-          <a:p>
-            <a:r>
-              <a:rPr lang="zh-CN" altLang="en-US" b="1" dirty="0" smtClean="0">
+          <p:cNvPr id="5" name="內容版面配置區 4"/>
+          <p:cNvSpPr>
+            <a:spLocks noGrp="1"/>
+          </p:cNvSpPr>
+          <p:nvPr>
+            <p:ph idx="1"/>
+          </p:nvPr>
+        </p:nvSpPr>
+        <p:spPr>
+          <a:xfrm>
+            <a:off x="0" y="2084851"/>
+            <a:ext cx="12192000" cy="2404863"/>
+          </a:xfrm>
+        </p:spPr>
+        <p:txBody>
+          <a:bodyPr anchor="ctr">
+            <a:normAutofit/>
+          </a:bodyPr>
+          <a:lstStyle/>
+          <a:p>
+            <a:pPr algn="ctr">
+              <a:buNone/>
+            </a:pPr>
+            <a:r>
+              <a:rPr lang="zh-CN" altLang="en-US" sz="6400" b="1" dirty="0">
                 <a:solidFill>
                   <a:srgbClr val="000066"/>
                 </a:solidFill>
                 <a:latin typeface="微軟正黑體" pitchFamily="34" charset="-120"/>
                 <a:ea typeface="微軟正黑體" pitchFamily="34" charset="-120"/>
               </a:rPr>
-              <a:t>榮耀歸於真神</a:t>
-            </a:r>
-            <a:endParaRPr lang="zh-TW" altLang="en-US" b="1" dirty="0">
+              <a:t>請來藉主耶穌  進入父家中</a:t>
+            </a:r>
+            <a:endParaRPr lang="en-US" altLang="zh-CN" sz="6400" b="1" dirty="0">
               <a:solidFill>
                 <a:srgbClr val="000066"/>
               </a:solidFill>
@@ -3860,39 +4273,21 @@
               <a:ea typeface="微軟正黑體" pitchFamily="34" charset="-120"/>
             </a:endParaRPr>
           </a:p>
-        </p:txBody>
-      </p:sp>
-      <p:sp>
-        <p:nvSpPr>
-          <p:cNvPr id="5" name="內容版面配置區 4"/>
-          <p:cNvSpPr>
-            <a:spLocks noGrp="1"/>
-          </p:cNvSpPr>
-          <p:nvPr>
-            <p:ph idx="1"/>
-          </p:nvPr>
-        </p:nvSpPr>
-        <p:spPr/>
-        <p:txBody>
-          <a:bodyPr>
-            <a:noAutofit/>
-          </a:bodyPr>
-          <a:lstStyle/>
           <a:p>
             <a:pPr algn="ctr">
               <a:buNone/>
             </a:pPr>
             <a:r>
-              <a:rPr lang="zh-CN" altLang="en-US" sz="5400" b="1" dirty="0" smtClean="0">
+              <a:rPr lang="zh-CN" altLang="en-US" sz="6400" b="1" dirty="0">
                 <a:solidFill>
                   <a:srgbClr val="000066"/>
                 </a:solidFill>
                 <a:latin typeface="微軟正黑體" pitchFamily="34" charset="-120"/>
                 <a:ea typeface="微軟正黑體" pitchFamily="34" charset="-120"/>
               </a:rPr>
-              <a:t>榮耀歸於真神  祂成就大事</a:t>
-            </a:r>
-            <a:endParaRPr lang="en-US" altLang="zh-CN" sz="5400" b="1" dirty="0" smtClean="0">
+              <a:t>榮耀歸主  祂已成就大事工</a:t>
+            </a:r>
+            <a:endParaRPr lang="zh-TW" altLang="en-US" sz="6400" b="1" dirty="0">
               <a:solidFill>
                 <a:srgbClr val="000066"/>
               </a:solidFill>
@@ -3900,95 +4295,14 @@
               <a:ea typeface="微軟正黑體" pitchFamily="34" charset="-120"/>
             </a:endParaRPr>
           </a:p>
-          <a:p>
-            <a:pPr algn="ctr">
-              <a:buNone/>
-            </a:pPr>
-            <a:r>
-              <a:rPr lang="zh-CN" altLang="en-US" sz="5400" b="1" dirty="0" smtClean="0">
-                <a:solidFill>
-                  <a:srgbClr val="000066"/>
-                </a:solidFill>
-                <a:latin typeface="微軟正黑體" pitchFamily="34" charset="-120"/>
-                <a:ea typeface="微軟正黑體" pitchFamily="34" charset="-120"/>
-              </a:rPr>
-              <a:t>藉聖子耶穌我們得大歡喜</a:t>
-            </a:r>
-            <a:endParaRPr lang="en-US" altLang="zh-CN" sz="5400" b="1" dirty="0" smtClean="0">
-              <a:solidFill>
-                <a:srgbClr val="000066"/>
-              </a:solidFill>
-              <a:latin typeface="微軟正黑體" pitchFamily="34" charset="-120"/>
-              <a:ea typeface="微軟正黑體" pitchFamily="34" charset="-120"/>
-            </a:endParaRPr>
-          </a:p>
-          <a:p>
-            <a:pPr algn="ctr">
-              <a:buNone/>
-            </a:pPr>
-            <a:r>
-              <a:rPr lang="zh-CN" altLang="en-US" sz="5400" b="1" dirty="0" smtClean="0">
-                <a:solidFill>
-                  <a:srgbClr val="000066"/>
-                </a:solidFill>
-                <a:latin typeface="微軟正黑體" pitchFamily="34" charset="-120"/>
-                <a:ea typeface="微軟正黑體" pitchFamily="34" charset="-120"/>
-              </a:rPr>
-              <a:t>至聖至尊榮我主耶穌基督</a:t>
-            </a:r>
-            <a:endParaRPr lang="en-US" altLang="zh-CN" sz="5400" b="1" dirty="0" smtClean="0">
-              <a:solidFill>
-                <a:srgbClr val="000066"/>
-              </a:solidFill>
-              <a:latin typeface="微軟正黑體" pitchFamily="34" charset="-120"/>
-              <a:ea typeface="微軟正黑體" pitchFamily="34" charset="-120"/>
-            </a:endParaRPr>
-          </a:p>
-          <a:p>
-            <a:pPr algn="ctr">
-              <a:buNone/>
-            </a:pPr>
-            <a:r>
-              <a:rPr lang="zh-CN" altLang="en-US" sz="5400" b="1" dirty="0" smtClean="0">
-                <a:solidFill>
-                  <a:srgbClr val="000066"/>
-                </a:solidFill>
-                <a:latin typeface="微軟正黑體" pitchFamily="34" charset="-120"/>
-                <a:ea typeface="微軟正黑體" pitchFamily="34" charset="-120"/>
-              </a:rPr>
-              <a:t>將來得見主面</a:t>
-            </a:r>
-            <a:r>
-              <a:rPr lang="zh-CN" altLang="en-US" sz="5400" b="1" dirty="0" smtClean="0">
-                <a:solidFill>
-                  <a:srgbClr val="000066"/>
-                </a:solidFill>
-                <a:latin typeface="微軟正黑體" pitchFamily="34" charset="-120"/>
-                <a:ea typeface="微軟正黑體" pitchFamily="34" charset="-120"/>
-              </a:rPr>
-              <a:t>何等大恩</a:t>
-            </a:r>
-            <a:r>
-              <a:rPr lang="zh-CN" altLang="en-US" sz="5400" b="1" dirty="0" smtClean="0">
-                <a:solidFill>
-                  <a:srgbClr val="000066"/>
-                </a:solidFill>
-                <a:latin typeface="微軟正黑體" pitchFamily="34" charset="-120"/>
-                <a:ea typeface="微軟正黑體" pitchFamily="34" charset="-120"/>
-              </a:rPr>
-              <a:t>福</a:t>
-            </a:r>
-            <a:endParaRPr lang="zh-TW" altLang="en-US" sz="5400" b="1" dirty="0">
-              <a:solidFill>
-                <a:srgbClr val="000066"/>
-              </a:solidFill>
-              <a:latin typeface="微軟正黑體" pitchFamily="34" charset="-120"/>
-              <a:ea typeface="微軟正黑體" pitchFamily="34" charset="-120"/>
-            </a:endParaRPr>
-          </a:p>
         </p:txBody>
       </p:sp>
     </p:spTree>
+    <p:extLst>
+      <p:ext uri="{BB962C8B-B14F-4D97-AF65-F5344CB8AC3E}">
+        <p14:creationId xmlns:p14="http://schemas.microsoft.com/office/powerpoint/2010/main" val="1218964234"/>
+      </p:ext>
+    </p:extLst>
   </p:cSld>
   <p:clrMapOvr>
     <a:masterClrMapping/>
@@ -4015,30 +4329,40 @@
       </p:grpSpPr>
       <p:sp>
         <p:nvSpPr>
-          <p:cNvPr id="4" name="標題 3"/>
-          <p:cNvSpPr>
-            <a:spLocks noGrp="1"/>
-          </p:cNvSpPr>
-          <p:nvPr>
-            <p:ph type="title"/>
-          </p:nvPr>
-        </p:nvSpPr>
-        <p:spPr/>
-        <p:txBody>
-          <a:bodyPr/>
-          <a:lstStyle/>
-          <a:p>
-            <a:r>
-              <a:rPr lang="zh-CN" altLang="en-US" b="1" dirty="0" smtClean="0">
+          <p:cNvPr id="5" name="內容版面配置區 4"/>
+          <p:cNvSpPr>
+            <a:spLocks noGrp="1"/>
+          </p:cNvSpPr>
+          <p:nvPr>
+            <p:ph idx="1"/>
+          </p:nvPr>
+        </p:nvSpPr>
+        <p:spPr>
+          <a:xfrm>
+            <a:off x="0" y="2084851"/>
+            <a:ext cx="12192000" cy="2404863"/>
+          </a:xfrm>
+        </p:spPr>
+        <p:txBody>
+          <a:bodyPr anchor="ctr">
+            <a:normAutofit/>
+          </a:bodyPr>
+          <a:lstStyle/>
+          <a:p>
+            <a:pPr algn="ctr">
+              <a:buNone/>
+            </a:pPr>
+            <a:r>
+              <a:rPr lang="zh-TW" altLang="en-US" sz="6400" b="1" dirty="0">
                 <a:solidFill>
                   <a:srgbClr val="000066"/>
                 </a:solidFill>
                 <a:latin typeface="微軟正黑體" pitchFamily="34" charset="-120"/>
                 <a:ea typeface="微軟正黑體" pitchFamily="34" charset="-120"/>
               </a:rPr>
-              <a:t>榮耀歸於真神</a:t>
-            </a:r>
-            <a:endParaRPr lang="zh-TW" altLang="en-US" b="1" dirty="0">
+              <a:t>救主流寶血  何等全備救恩</a:t>
+            </a:r>
+            <a:endParaRPr lang="en-US" altLang="zh-TW" sz="6400" b="1" dirty="0">
               <a:solidFill>
                 <a:srgbClr val="000066"/>
               </a:solidFill>
@@ -4046,64 +4370,21 @@
               <a:ea typeface="微軟正黑體" pitchFamily="34" charset="-120"/>
             </a:endParaRPr>
           </a:p>
-        </p:txBody>
-      </p:sp>
-      <p:sp>
-        <p:nvSpPr>
-          <p:cNvPr id="5" name="內容版面配置區 4"/>
-          <p:cNvSpPr>
-            <a:spLocks noGrp="1"/>
-          </p:cNvSpPr>
-          <p:nvPr>
-            <p:ph idx="1"/>
-          </p:nvPr>
-        </p:nvSpPr>
-        <p:spPr>
-          <a:xfrm>
-            <a:off x="0" y="1600200"/>
-            <a:ext cx="9144000" cy="4525963"/>
-          </a:xfrm>
-        </p:spPr>
-        <p:txBody>
-          <a:bodyPr>
-            <a:noAutofit/>
-          </a:bodyPr>
-          <a:lstStyle/>
           <a:p>
             <a:pPr algn="ctr">
               <a:buNone/>
             </a:pPr>
             <a:r>
-              <a:rPr lang="zh-CN" altLang="en-US" sz="5400" b="1" dirty="0" smtClean="0">
+              <a:rPr lang="zh-TW" altLang="en-US" sz="6400" b="1" dirty="0">
                 <a:solidFill>
                   <a:srgbClr val="000066"/>
                 </a:solidFill>
                 <a:latin typeface="微軟正黑體" pitchFamily="34" charset="-120"/>
                 <a:ea typeface="微軟正黑體" pitchFamily="34" charset="-120"/>
               </a:rPr>
-              <a:t>讚美主  讚美主</a:t>
-            </a:r>
-            <a:r>
-              <a:rPr lang="en-US" altLang="zh-CN" sz="5400" b="1" dirty="0" smtClean="0">
-                <a:solidFill>
-                  <a:srgbClr val="000066"/>
-                </a:solidFill>
-                <a:latin typeface="微軟正黑體" pitchFamily="34" charset="-120"/>
-                <a:ea typeface="微軟正黑體" pitchFamily="34" charset="-120"/>
-              </a:rPr>
-              <a:t>  </a:t>
-            </a:r>
-            <a:r>
-              <a:rPr lang="zh-CN" altLang="en-US" sz="5400" b="1" dirty="0" smtClean="0">
-                <a:solidFill>
-                  <a:srgbClr val="000066"/>
-                </a:solidFill>
-                <a:latin typeface="微軟正黑體" pitchFamily="34" charset="-120"/>
-                <a:ea typeface="微軟正黑體" pitchFamily="34" charset="-120"/>
-              </a:rPr>
-              <a:t>全地聽主聲音</a:t>
-            </a:r>
-            <a:endParaRPr lang="en-US" altLang="zh-CN" sz="5400" b="1" dirty="0" smtClean="0">
+              <a:t>真神應許賜給凡信祂的人</a:t>
+            </a:r>
+            <a:endParaRPr lang="en-US" altLang="zh-TW" sz="6400" b="1" dirty="0">
               <a:solidFill>
                 <a:srgbClr val="000066"/>
               </a:solidFill>
@@ -4111,41 +4392,142 @@
               <a:ea typeface="微軟正黑體" pitchFamily="34" charset="-120"/>
             </a:endParaRPr>
           </a:p>
+        </p:txBody>
+      </p:sp>
+      <p:sp>
+        <p:nvSpPr>
+          <p:cNvPr id="3" name="TextBox 2"/>
+          <p:cNvSpPr txBox="1"/>
+          <p:nvPr/>
+        </p:nvSpPr>
+        <p:spPr>
+          <a:xfrm>
+            <a:off x="0" y="5157192"/>
+            <a:ext cx="12192000" cy="646331"/>
+          </a:xfrm>
+          <a:prstGeom prst="rect">
+            <a:avLst/>
+          </a:prstGeom>
+          <a:noFill/>
+        </p:spPr>
+        <p:txBody>
+          <a:bodyPr wrap="square" rtlCol="0">
+            <a:spAutoFit/>
+          </a:bodyPr>
+          <a:lstStyle/>
+          <a:p>
+            <a:pPr algn="ctr"/>
+            <a:r>
+              <a:rPr lang="en-US" sz="3600" b="1" dirty="0">
+                <a:solidFill>
+                  <a:srgbClr val="000066"/>
+                </a:solidFill>
+                <a:ea typeface="Microsoft JhengHei" panose="020B0604030504040204" pitchFamily="34" charset="-120"/>
+              </a:rPr>
+              <a:t>( </a:t>
+            </a:r>
+            <a:r>
+              <a:rPr lang="en-US" altLang="zh-CN" sz="3600" b="1" dirty="0" smtClean="0">
+                <a:solidFill>
+                  <a:srgbClr val="000066"/>
+                </a:solidFill>
+                <a:ea typeface="Microsoft JhengHei" panose="020B0604030504040204" pitchFamily="34" charset="-120"/>
+              </a:rPr>
+              <a:t>2 / 3</a:t>
+            </a:r>
+            <a:r>
+              <a:rPr lang="en-US" sz="3600" b="1" dirty="0" smtClean="0">
+                <a:solidFill>
+                  <a:srgbClr val="000066"/>
+                </a:solidFill>
+                <a:ea typeface="Microsoft JhengHei" panose="020B0604030504040204" pitchFamily="34" charset="-120"/>
+              </a:rPr>
+              <a:t> </a:t>
+            </a:r>
+            <a:r>
+              <a:rPr lang="en-US" sz="3600" b="1" dirty="0">
+                <a:solidFill>
+                  <a:srgbClr val="000066"/>
+                </a:solidFill>
+                <a:ea typeface="Microsoft JhengHei" panose="020B0604030504040204" pitchFamily="34" charset="-120"/>
+              </a:rPr>
+              <a:t>)</a:t>
+            </a:r>
+            <a:endParaRPr lang="vi-VN" sz="3600" b="1" dirty="0">
+              <a:solidFill>
+                <a:srgbClr val="000066"/>
+              </a:solidFill>
+              <a:ea typeface="Microsoft JhengHei" panose="020B0604030504040204" pitchFamily="34" charset="-120"/>
+            </a:endParaRPr>
+          </a:p>
+        </p:txBody>
+      </p:sp>
+    </p:spTree>
+    <p:extLst>
+      <p:ext uri="{BB962C8B-B14F-4D97-AF65-F5344CB8AC3E}">
+        <p14:creationId xmlns:p14="http://schemas.microsoft.com/office/powerpoint/2010/main" val="2272713050"/>
+      </p:ext>
+    </p:extLst>
+  </p:cSld>
+  <p:clrMapOvr>
+    <a:masterClrMapping/>
+  </p:clrMapOvr>
+</p:sld>
+</file>
+
+<file path=ppt/slides/slide7.xml><?xml version="1.0" encoding="utf-8"?>
+<p:sld xmlns:a="http://schemas.openxmlformats.org/drawingml/2006/main" xmlns:r="http://schemas.openxmlformats.org/officeDocument/2006/relationships" xmlns:p="http://schemas.openxmlformats.org/presentationml/2006/main">
+  <p:cSld>
+    <p:spTree>
+      <p:nvGrpSpPr>
+        <p:cNvPr id="1" name=""/>
+        <p:cNvGrpSpPr/>
+        <p:nvPr/>
+      </p:nvGrpSpPr>
+      <p:grpSpPr>
+        <a:xfrm>
+          <a:off x="0" y="0"/>
+          <a:ext cx="0" cy="0"/>
+          <a:chOff x="0" y="0"/>
+          <a:chExt cx="0" cy="0"/>
+        </a:xfrm>
+      </p:grpSpPr>
+      <p:sp>
+        <p:nvSpPr>
+          <p:cNvPr id="5" name="內容版面配置區 4"/>
+          <p:cNvSpPr>
+            <a:spLocks noGrp="1"/>
+          </p:cNvSpPr>
+          <p:nvPr>
+            <p:ph idx="1"/>
+          </p:nvPr>
+        </p:nvSpPr>
+        <p:spPr>
+          <a:xfrm>
+            <a:off x="0" y="2084851"/>
+            <a:ext cx="12192000" cy="2404863"/>
+          </a:xfrm>
+        </p:spPr>
+        <p:txBody>
+          <a:bodyPr anchor="ctr">
+            <a:normAutofit/>
+          </a:bodyPr>
+          <a:lstStyle/>
           <a:p>
             <a:pPr algn="ctr">
               <a:buNone/>
             </a:pPr>
             <a:r>
-              <a:rPr lang="zh-CN" altLang="en-US" sz="5400" b="1" dirty="0" smtClean="0">
+              <a:rPr lang="zh-TW" altLang="en-US" sz="6400" b="1" dirty="0">
                 <a:solidFill>
                   <a:srgbClr val="000066"/>
                 </a:solidFill>
                 <a:latin typeface="微軟正黑體" pitchFamily="34" charset="-120"/>
                 <a:ea typeface="微軟正黑體" pitchFamily="34" charset="-120"/>
               </a:rPr>
-              <a:t>讚美主  讚美主</a:t>
-            </a:r>
-            <a:r>
-              <a:rPr lang="en-US" altLang="zh-CN" sz="5400" b="1" dirty="0" smtClean="0">
-                <a:solidFill>
-                  <a:srgbClr val="000066"/>
-                </a:solidFill>
-                <a:latin typeface="微軟正黑體" pitchFamily="34" charset="-120"/>
-                <a:ea typeface="微軟正黑體" pitchFamily="34" charset="-120"/>
-              </a:rPr>
-              <a:t>  </a:t>
-            </a:r>
-            <a:r>
-              <a:rPr lang="zh-CN" altLang="en-US" sz="5400" b="1" dirty="0" smtClean="0">
-                <a:solidFill>
-                  <a:srgbClr val="000066"/>
-                </a:solidFill>
-                <a:latin typeface="微軟正黑體" pitchFamily="34" charset="-120"/>
-                <a:ea typeface="微軟正黑體" pitchFamily="34" charset="-120"/>
-              </a:rPr>
-              <a:t>萬民快樂高興</a:t>
-            </a:r>
-            <a:endParaRPr lang="en-US" altLang="zh-CN" sz="5400" b="1" dirty="0" smtClean="0">
+              <a:t>罪人中之罪魁若真心相信</a:t>
+            </a:r>
+            <a:endParaRPr lang="en-US" altLang="zh-TW" sz="6400" b="1" dirty="0">
               <a:solidFill>
                 <a:srgbClr val="000066"/>
               </a:solidFill>
@@ -4158,16 +4540,172 @@
               <a:buNone/>
             </a:pPr>
             <a:r>
-              <a:rPr lang="zh-CN" altLang="en-US" sz="5400" b="1" dirty="0" smtClean="0">
+              <a:rPr lang="zh-TW" altLang="en-US" sz="6400" b="1" dirty="0">
                 <a:solidFill>
                   <a:srgbClr val="000066"/>
                 </a:solidFill>
                 <a:latin typeface="微軟正黑體" pitchFamily="34" charset="-120"/>
                 <a:ea typeface="微軟正黑體" pitchFamily="34" charset="-120"/>
               </a:rPr>
-              <a:t>請來藉主耶穌  進入父家中</a:t>
-            </a:r>
-            <a:endParaRPr lang="en-US" altLang="zh-CN" sz="5400" b="1" dirty="0" smtClean="0">
+              <a:t>一信靠主就必得赦罪之恩</a:t>
+            </a:r>
+          </a:p>
+        </p:txBody>
+      </p:sp>
+      <p:sp>
+        <p:nvSpPr>
+          <p:cNvPr id="3" name="TextBox 2"/>
+          <p:cNvSpPr txBox="1"/>
+          <p:nvPr/>
+        </p:nvSpPr>
+        <p:spPr>
+          <a:xfrm>
+            <a:off x="0" y="5157192"/>
+            <a:ext cx="12192000" cy="646331"/>
+          </a:xfrm>
+          <a:prstGeom prst="rect">
+            <a:avLst/>
+          </a:prstGeom>
+          <a:noFill/>
+        </p:spPr>
+        <p:txBody>
+          <a:bodyPr wrap="square" rtlCol="0">
+            <a:spAutoFit/>
+          </a:bodyPr>
+          <a:lstStyle/>
+          <a:p>
+            <a:pPr algn="ctr"/>
+            <a:r>
+              <a:rPr lang="en-US" sz="3600" b="1" dirty="0">
+                <a:solidFill>
+                  <a:srgbClr val="000066"/>
+                </a:solidFill>
+                <a:ea typeface="Microsoft JhengHei" panose="020B0604030504040204" pitchFamily="34" charset="-120"/>
+              </a:rPr>
+              <a:t>( </a:t>
+            </a:r>
+            <a:r>
+              <a:rPr lang="en-US" altLang="zh-CN" sz="3600" b="1" dirty="0" smtClean="0">
+                <a:solidFill>
+                  <a:srgbClr val="000066"/>
+                </a:solidFill>
+                <a:ea typeface="Microsoft JhengHei" panose="020B0604030504040204" pitchFamily="34" charset="-120"/>
+              </a:rPr>
+              <a:t>2 / 3</a:t>
+            </a:r>
+            <a:r>
+              <a:rPr lang="en-US" sz="3600" b="1" dirty="0" smtClean="0">
+                <a:solidFill>
+                  <a:srgbClr val="000066"/>
+                </a:solidFill>
+                <a:ea typeface="Microsoft JhengHei" panose="020B0604030504040204" pitchFamily="34" charset="-120"/>
+              </a:rPr>
+              <a:t> </a:t>
+            </a:r>
+            <a:r>
+              <a:rPr lang="en-US" sz="3600" b="1" dirty="0">
+                <a:solidFill>
+                  <a:srgbClr val="000066"/>
+                </a:solidFill>
+                <a:ea typeface="Microsoft JhengHei" panose="020B0604030504040204" pitchFamily="34" charset="-120"/>
+              </a:rPr>
+              <a:t>)</a:t>
+            </a:r>
+            <a:endParaRPr lang="vi-VN" sz="3600" b="1" dirty="0">
+              <a:solidFill>
+                <a:srgbClr val="000066"/>
+              </a:solidFill>
+              <a:ea typeface="Microsoft JhengHei" panose="020B0604030504040204" pitchFamily="34" charset="-120"/>
+            </a:endParaRPr>
+          </a:p>
+        </p:txBody>
+      </p:sp>
+    </p:spTree>
+    <p:extLst>
+      <p:ext uri="{BB962C8B-B14F-4D97-AF65-F5344CB8AC3E}">
+        <p14:creationId xmlns:p14="http://schemas.microsoft.com/office/powerpoint/2010/main" val="1289880121"/>
+      </p:ext>
+    </p:extLst>
+  </p:cSld>
+  <p:clrMapOvr>
+    <a:masterClrMapping/>
+  </p:clrMapOvr>
+</p:sld>
+</file>
+
+<file path=ppt/slides/slide8.xml><?xml version="1.0" encoding="utf-8"?>
+<p:sld xmlns:a="http://schemas.openxmlformats.org/drawingml/2006/main" xmlns:r="http://schemas.openxmlformats.org/officeDocument/2006/relationships" xmlns:p="http://schemas.openxmlformats.org/presentationml/2006/main">
+  <p:cSld>
+    <p:spTree>
+      <p:nvGrpSpPr>
+        <p:cNvPr id="1" name=""/>
+        <p:cNvGrpSpPr/>
+        <p:nvPr/>
+      </p:nvGrpSpPr>
+      <p:grpSpPr>
+        <a:xfrm>
+          <a:off x="0" y="0"/>
+          <a:ext cx="0" cy="0"/>
+          <a:chOff x="0" y="0"/>
+          <a:chExt cx="0" cy="0"/>
+        </a:xfrm>
+      </p:grpSpPr>
+      <p:sp>
+        <p:nvSpPr>
+          <p:cNvPr id="5" name="內容版面配置區 4"/>
+          <p:cNvSpPr>
+            <a:spLocks noGrp="1"/>
+          </p:cNvSpPr>
+          <p:nvPr>
+            <p:ph idx="1"/>
+          </p:nvPr>
+        </p:nvSpPr>
+        <p:spPr>
+          <a:xfrm>
+            <a:off x="0" y="2084851"/>
+            <a:ext cx="12192000" cy="2404863"/>
+          </a:xfrm>
+        </p:spPr>
+        <p:txBody>
+          <a:bodyPr anchor="ctr">
+            <a:normAutofit/>
+          </a:bodyPr>
+          <a:lstStyle/>
+          <a:p>
+            <a:pPr algn="ctr">
+              <a:buNone/>
+            </a:pPr>
+            <a:r>
+              <a:rPr lang="zh-CN" altLang="en-US" sz="6400" b="1" dirty="0">
+                <a:solidFill>
+                  <a:srgbClr val="000066"/>
+                </a:solidFill>
+                <a:latin typeface="微軟正黑體" pitchFamily="34" charset="-120"/>
+                <a:ea typeface="微軟正黑體" pitchFamily="34" charset="-120"/>
+              </a:rPr>
+              <a:t>讚美主  讚美主</a:t>
+            </a:r>
+            <a:r>
+              <a:rPr lang="en-US" altLang="zh-CN" sz="6400" b="1" dirty="0">
+                <a:solidFill>
+                  <a:srgbClr val="000066"/>
+                </a:solidFill>
+                <a:latin typeface="微軟正黑體" pitchFamily="34" charset="-120"/>
+                <a:ea typeface="微軟正黑體" pitchFamily="34" charset="-120"/>
+              </a:rPr>
+              <a:t>  </a:t>
+            </a:r>
+            <a:r>
+              <a:rPr lang="zh-CN" altLang="en-US" sz="6400" b="1" dirty="0">
+                <a:solidFill>
+                  <a:srgbClr val="000066"/>
+                </a:solidFill>
+                <a:latin typeface="微軟正黑體" pitchFamily="34" charset="-120"/>
+                <a:ea typeface="微軟正黑體" pitchFamily="34" charset="-120"/>
+              </a:rPr>
+              <a:t>全地聽主聲音</a:t>
+            </a:r>
+            <a:endParaRPr lang="en-US" altLang="zh-CN" sz="6400" b="1" dirty="0">
               <a:solidFill>
                 <a:srgbClr val="000066"/>
               </a:solidFill>
@@ -4180,16 +4718,36 @@
               <a:buNone/>
             </a:pPr>
             <a:r>
-              <a:rPr lang="zh-CN" altLang="en-US" sz="5400" b="1" dirty="0" smtClean="0">
+              <a:rPr lang="zh-CN" altLang="en-US" sz="6400" b="1" dirty="0">
                 <a:solidFill>
                   <a:srgbClr val="000066"/>
                 </a:solidFill>
                 <a:latin typeface="微軟正黑體" pitchFamily="34" charset="-120"/>
                 <a:ea typeface="微軟正黑體" pitchFamily="34" charset="-120"/>
               </a:rPr>
-              <a:t>榮耀歸主  祂已成就大事工</a:t>
-            </a:r>
-            <a:endParaRPr lang="zh-TW" altLang="en-US" sz="5400" b="1" dirty="0">
+              <a:t>讚美主  讚美主</a:t>
+            </a:r>
+            <a:r>
+              <a:rPr lang="en-US" altLang="zh-CN" sz="6400" b="1" dirty="0">
+                <a:solidFill>
+                  <a:srgbClr val="000066"/>
+                </a:solidFill>
+                <a:latin typeface="微軟正黑體" pitchFamily="34" charset="-120"/>
+                <a:ea typeface="微軟正黑體" pitchFamily="34" charset="-120"/>
+              </a:rPr>
+              <a:t>  </a:t>
+            </a:r>
+            <a:r>
+              <a:rPr lang="zh-CN" altLang="en-US" sz="6400" b="1" dirty="0">
+                <a:solidFill>
+                  <a:srgbClr val="000066"/>
+                </a:solidFill>
+                <a:latin typeface="微軟正黑體" pitchFamily="34" charset="-120"/>
+                <a:ea typeface="微軟正黑體" pitchFamily="34" charset="-120"/>
+              </a:rPr>
+              <a:t>萬民快樂高興</a:t>
+            </a:r>
+            <a:endParaRPr lang="en-US" altLang="zh-CN" sz="6400" b="1" dirty="0">
               <a:solidFill>
                 <a:srgbClr val="000066"/>
               </a:solidFill>
@@ -4200,6 +4758,108 @@
         </p:txBody>
       </p:sp>
     </p:spTree>
+    <p:extLst>
+      <p:ext uri="{BB962C8B-B14F-4D97-AF65-F5344CB8AC3E}">
+        <p14:creationId xmlns:p14="http://schemas.microsoft.com/office/powerpoint/2010/main" val="102447851"/>
+      </p:ext>
+    </p:extLst>
+  </p:cSld>
+  <p:clrMapOvr>
+    <a:masterClrMapping/>
+  </p:clrMapOvr>
+</p:sld>
+</file>
+
+<file path=ppt/slides/slide9.xml><?xml version="1.0" encoding="utf-8"?>
+<p:sld xmlns:a="http://schemas.openxmlformats.org/drawingml/2006/main" xmlns:r="http://schemas.openxmlformats.org/officeDocument/2006/relationships" xmlns:p="http://schemas.openxmlformats.org/presentationml/2006/main">
+  <p:cSld>
+    <p:spTree>
+      <p:nvGrpSpPr>
+        <p:cNvPr id="1" name=""/>
+        <p:cNvGrpSpPr/>
+        <p:nvPr/>
+      </p:nvGrpSpPr>
+      <p:grpSpPr>
+        <a:xfrm>
+          <a:off x="0" y="0"/>
+          <a:ext cx="0" cy="0"/>
+          <a:chOff x="0" y="0"/>
+          <a:chExt cx="0" cy="0"/>
+        </a:xfrm>
+      </p:grpSpPr>
+      <p:sp>
+        <p:nvSpPr>
+          <p:cNvPr id="5" name="內容版面配置區 4"/>
+          <p:cNvSpPr>
+            <a:spLocks noGrp="1"/>
+          </p:cNvSpPr>
+          <p:nvPr>
+            <p:ph idx="1"/>
+          </p:nvPr>
+        </p:nvSpPr>
+        <p:spPr>
+          <a:xfrm>
+            <a:off x="0" y="2084851"/>
+            <a:ext cx="12192000" cy="2404863"/>
+          </a:xfrm>
+        </p:spPr>
+        <p:txBody>
+          <a:bodyPr anchor="ctr">
+            <a:normAutofit/>
+          </a:bodyPr>
+          <a:lstStyle/>
+          <a:p>
+            <a:pPr algn="ctr">
+              <a:buNone/>
+            </a:pPr>
+            <a:r>
+              <a:rPr lang="zh-CN" altLang="en-US" sz="6400" b="1" dirty="0">
+                <a:solidFill>
+                  <a:srgbClr val="000066"/>
+                </a:solidFill>
+                <a:latin typeface="微軟正黑體" pitchFamily="34" charset="-120"/>
+                <a:ea typeface="微軟正黑體" pitchFamily="34" charset="-120"/>
+              </a:rPr>
+              <a:t>請來藉主耶穌  進入父家中</a:t>
+            </a:r>
+            <a:endParaRPr lang="en-US" altLang="zh-CN" sz="6400" b="1" dirty="0">
+              <a:solidFill>
+                <a:srgbClr val="000066"/>
+              </a:solidFill>
+              <a:latin typeface="微軟正黑體" pitchFamily="34" charset="-120"/>
+              <a:ea typeface="微軟正黑體" pitchFamily="34" charset="-120"/>
+            </a:endParaRPr>
+          </a:p>
+          <a:p>
+            <a:pPr algn="ctr">
+              <a:buNone/>
+            </a:pPr>
+            <a:r>
+              <a:rPr lang="zh-CN" altLang="en-US" sz="6400" b="1" dirty="0">
+                <a:solidFill>
+                  <a:srgbClr val="000066"/>
+                </a:solidFill>
+                <a:latin typeface="微軟正黑體" pitchFamily="34" charset="-120"/>
+                <a:ea typeface="微軟正黑體" pitchFamily="34" charset="-120"/>
+              </a:rPr>
+              <a:t>榮耀歸主  祂已成就大事工</a:t>
+            </a:r>
+            <a:endParaRPr lang="zh-TW" altLang="en-US" sz="6400" b="1" dirty="0">
+              <a:solidFill>
+                <a:srgbClr val="000066"/>
+              </a:solidFill>
+              <a:latin typeface="微軟正黑體" pitchFamily="34" charset="-120"/>
+              <a:ea typeface="微軟正黑體" pitchFamily="34" charset="-120"/>
+            </a:endParaRPr>
+          </a:p>
+        </p:txBody>
+      </p:sp>
+    </p:spTree>
+    <p:extLst>
+      <p:ext uri="{BB962C8B-B14F-4D97-AF65-F5344CB8AC3E}">
+        <p14:creationId xmlns:p14="http://schemas.microsoft.com/office/powerpoint/2010/main" val="3078997509"/>
+      </p:ext>
+    </p:extLst>
   </p:cSld>
   <p:clrMapOvr>
     <a:masterClrMapping/>

--- a/榮耀歸於真神_v3.pptx
+++ b/榮耀歸於真神_v3.pptx
@@ -317,7 +317,7 @@
             <a:fld id="{BC207619-CF55-4513-A48C-4A735250C423}" type="datetimeFigureOut">
               <a:rPr lang="zh-TW" altLang="en-US" smtClean="0"/>
               <a:pPr/>
-              <a:t>2022/12/22</a:t>
+              <a:t>2023/8/5</a:t>
             </a:fld>
             <a:endParaRPr lang="zh-TW" altLang="en-US"/>
           </a:p>
@@ -484,7 +484,7 @@
             <a:fld id="{BC207619-CF55-4513-A48C-4A735250C423}" type="datetimeFigureOut">
               <a:rPr lang="zh-TW" altLang="en-US" smtClean="0"/>
               <a:pPr/>
-              <a:t>2022/12/22</a:t>
+              <a:t>2023/8/5</a:t>
             </a:fld>
             <a:endParaRPr lang="zh-TW" altLang="en-US"/>
           </a:p>
@@ -661,7 +661,7 @@
             <a:fld id="{BC207619-CF55-4513-A48C-4A735250C423}" type="datetimeFigureOut">
               <a:rPr lang="zh-TW" altLang="en-US" smtClean="0"/>
               <a:pPr/>
-              <a:t>2022/12/22</a:t>
+              <a:t>2023/8/5</a:t>
             </a:fld>
             <a:endParaRPr lang="zh-TW" altLang="en-US"/>
           </a:p>
@@ -828,7 +828,7 @@
             <a:fld id="{BC207619-CF55-4513-A48C-4A735250C423}" type="datetimeFigureOut">
               <a:rPr lang="zh-TW" altLang="en-US" smtClean="0"/>
               <a:pPr/>
-              <a:t>2022/12/22</a:t>
+              <a:t>2023/8/5</a:t>
             </a:fld>
             <a:endParaRPr lang="zh-TW" altLang="en-US"/>
           </a:p>
@@ -1071,7 +1071,7 @@
             <a:fld id="{BC207619-CF55-4513-A48C-4A735250C423}" type="datetimeFigureOut">
               <a:rPr lang="zh-TW" altLang="en-US" smtClean="0"/>
               <a:pPr/>
-              <a:t>2022/12/22</a:t>
+              <a:t>2023/8/5</a:t>
             </a:fld>
             <a:endParaRPr lang="zh-TW" altLang="en-US"/>
           </a:p>
@@ -1356,7 +1356,7 @@
             <a:fld id="{BC207619-CF55-4513-A48C-4A735250C423}" type="datetimeFigureOut">
               <a:rPr lang="zh-TW" altLang="en-US" smtClean="0"/>
               <a:pPr/>
-              <a:t>2022/12/22</a:t>
+              <a:t>2023/8/5</a:t>
             </a:fld>
             <a:endParaRPr lang="zh-TW" altLang="en-US"/>
           </a:p>
@@ -1775,7 +1775,7 @@
             <a:fld id="{BC207619-CF55-4513-A48C-4A735250C423}" type="datetimeFigureOut">
               <a:rPr lang="zh-TW" altLang="en-US" smtClean="0"/>
               <a:pPr/>
-              <a:t>2022/12/22</a:t>
+              <a:t>2023/8/5</a:t>
             </a:fld>
             <a:endParaRPr lang="zh-TW" altLang="en-US"/>
           </a:p>
@@ -1890,7 +1890,7 @@
             <a:fld id="{BC207619-CF55-4513-A48C-4A735250C423}" type="datetimeFigureOut">
               <a:rPr lang="zh-TW" altLang="en-US" smtClean="0"/>
               <a:pPr/>
-              <a:t>2022/12/22</a:t>
+              <a:t>2023/8/5</a:t>
             </a:fld>
             <a:endParaRPr lang="zh-TW" altLang="en-US"/>
           </a:p>
@@ -1982,7 +1982,7 @@
             <a:fld id="{BC207619-CF55-4513-A48C-4A735250C423}" type="datetimeFigureOut">
               <a:rPr lang="zh-TW" altLang="en-US" smtClean="0"/>
               <a:pPr/>
-              <a:t>2022/12/22</a:t>
+              <a:t>2023/8/5</a:t>
             </a:fld>
             <a:endParaRPr lang="zh-TW" altLang="en-US"/>
           </a:p>
@@ -2256,7 +2256,7 @@
             <a:fld id="{BC207619-CF55-4513-A48C-4A735250C423}" type="datetimeFigureOut">
               <a:rPr lang="zh-TW" altLang="en-US" smtClean="0"/>
               <a:pPr/>
-              <a:t>2022/12/22</a:t>
+              <a:t>2023/8/5</a:t>
             </a:fld>
             <a:endParaRPr lang="zh-TW" altLang="en-US"/>
           </a:p>
@@ -2510,7 +2510,7 @@
             <a:fld id="{BC207619-CF55-4513-A48C-4A735250C423}" type="datetimeFigureOut">
               <a:rPr lang="zh-TW" altLang="en-US" smtClean="0"/>
               <a:pPr/>
-              <a:t>2022/12/22</a:t>
+              <a:t>2023/8/5</a:t>
             </a:fld>
             <a:endParaRPr lang="zh-TW" altLang="en-US"/>
           </a:p>
@@ -2725,7 +2725,7 @@
             <a:fld id="{BC207619-CF55-4513-A48C-4A735250C423}" type="datetimeFigureOut">
               <a:rPr lang="zh-TW" altLang="en-US" smtClean="0"/>
               <a:pPr/>
-              <a:t>2022/12/22</a:t>
+              <a:t>2023/8/5</a:t>
             </a:fld>
             <a:endParaRPr lang="zh-TW" altLang="en-US"/>
           </a:p>
@@ -4263,7 +4263,47 @@
                 <a:latin typeface="微軟正黑體" pitchFamily="34" charset="-120"/>
                 <a:ea typeface="微軟正黑體" pitchFamily="34" charset="-120"/>
               </a:rPr>
-              <a:t>請來藉主耶穌  進入父家中</a:t>
+              <a:t>請</a:t>
+            </a:r>
+            <a:r>
+              <a:rPr lang="zh-CN" altLang="en-US" sz="6400" b="1" dirty="0" smtClean="0">
+                <a:solidFill>
+                  <a:srgbClr val="000066"/>
+                </a:solidFill>
+                <a:latin typeface="微軟正黑體" pitchFamily="34" charset="-120"/>
+                <a:ea typeface="微軟正黑體" pitchFamily="34" charset="-120"/>
+              </a:rPr>
+              <a:t>來</a:t>
+            </a:r>
+            <a:r>
+              <a:rPr lang="zh-CN" altLang="en-US" sz="6400" b="1" dirty="0" smtClean="0">
+                <a:solidFill>
+                  <a:srgbClr val="000066"/>
+                </a:solidFill>
+                <a:latin typeface="微軟正黑體" pitchFamily="34" charset="-120"/>
+                <a:ea typeface="微軟正黑體" pitchFamily="34" charset="-120"/>
+              </a:rPr>
+              <a:t>籍</a:t>
+            </a:r>
+            <a:r>
+              <a:rPr lang="zh-CN" altLang="en-US" sz="6400" b="1" dirty="0">
+                <a:solidFill>
+                  <a:srgbClr val="000066"/>
+                </a:solidFill>
+                <a:latin typeface="微軟正黑體" pitchFamily="34" charset="-120"/>
+                <a:ea typeface="微軟正黑體" pitchFamily="34" charset="-120"/>
+              </a:rPr>
+              <a:t>主</a:t>
+            </a:r>
+            <a:r>
+              <a:rPr lang="zh-CN" altLang="en-US" sz="6400" b="1" dirty="0">
+                <a:solidFill>
+                  <a:srgbClr val="000066"/>
+                </a:solidFill>
+                <a:latin typeface="微軟正黑體" pitchFamily="34" charset="-120"/>
+                <a:ea typeface="微軟正黑體" pitchFamily="34" charset="-120"/>
+              </a:rPr>
+              <a:t>耶穌  進入父家中</a:t>
             </a:r>
             <a:endParaRPr lang="en-US" altLang="zh-CN" sz="6400" b="1" dirty="0">
               <a:solidFill>
@@ -4820,7 +4860,7 @@
                 <a:latin typeface="微軟正黑體" pitchFamily="34" charset="-120"/>
                 <a:ea typeface="微軟正黑體" pitchFamily="34" charset="-120"/>
               </a:rPr>
-              <a:t>請來藉主耶穌  進入父家中</a:t>
+              <a:t>請來籍主耶穌  進入父家中</a:t>
             </a:r>
             <a:endParaRPr lang="en-US" altLang="zh-CN" sz="6400" b="1" dirty="0">
               <a:solidFill>
